--- a/chapter 6.pptx
+++ b/chapter 6.pptx
@@ -5,7 +5,7 @@
     <p:sldMasterId id="2147483648" r:id="rId1"/>
   </p:sldMasterIdLst>
   <p:notesMasterIdLst>
-    <p:notesMasterId r:id="rId25"/>
+    <p:notesMasterId r:id="rId28"/>
   </p:notesMasterIdLst>
   <p:sldIdLst>
     <p:sldId id="256" r:id="rId2"/>
@@ -18,19 +18,22 @@
     <p:sldId id="279" r:id="rId9"/>
     <p:sldId id="280" r:id="rId10"/>
     <p:sldId id="281" r:id="rId11"/>
-    <p:sldId id="282" r:id="rId12"/>
-    <p:sldId id="283" r:id="rId13"/>
-    <p:sldId id="284" r:id="rId14"/>
-    <p:sldId id="285" r:id="rId15"/>
-    <p:sldId id="286" r:id="rId16"/>
-    <p:sldId id="287" r:id="rId17"/>
-    <p:sldId id="288" r:id="rId18"/>
-    <p:sldId id="289" r:id="rId19"/>
-    <p:sldId id="290" r:id="rId20"/>
-    <p:sldId id="291" r:id="rId21"/>
-    <p:sldId id="292" r:id="rId22"/>
-    <p:sldId id="293" r:id="rId23"/>
-    <p:sldId id="273" r:id="rId24"/>
+    <p:sldId id="296" r:id="rId12"/>
+    <p:sldId id="294" r:id="rId13"/>
+    <p:sldId id="295" r:id="rId14"/>
+    <p:sldId id="282" r:id="rId15"/>
+    <p:sldId id="283" r:id="rId16"/>
+    <p:sldId id="284" r:id="rId17"/>
+    <p:sldId id="285" r:id="rId18"/>
+    <p:sldId id="286" r:id="rId19"/>
+    <p:sldId id="287" r:id="rId20"/>
+    <p:sldId id="297" r:id="rId21"/>
+    <p:sldId id="289" r:id="rId22"/>
+    <p:sldId id="290" r:id="rId23"/>
+    <p:sldId id="291" r:id="rId24"/>
+    <p:sldId id="292" r:id="rId25"/>
+    <p:sldId id="293" r:id="rId26"/>
+    <p:sldId id="273" r:id="rId27"/>
   </p:sldIdLst>
   <p:sldSz cx="12192000" cy="6858000"/>
   <p:notesSz cx="6858000" cy="9144000"/>
@@ -230,7 +233,7 @@
           <a:p>
             <a:fld id="{585F4DA9-5CF1-457B-898C-DD26EFD926EB}" type="datetimeFigureOut">
               <a:rPr lang="ko-KR" altLang="en-US" smtClean="0"/>
-              <a:t>2018-05-14</a:t>
+              <a:t>2018-05-23</a:t>
             </a:fld>
             <a:endParaRPr lang="ko-KR" altLang="en-US"/>
           </a:p>
@@ -629,7 +632,7 @@
           <a:p>
             <a:fld id="{6CFD7695-EAE3-49C5-AB12-73B0C7B01BF5}" type="datetimeFigureOut">
               <a:rPr lang="ko-KR" altLang="en-US" smtClean="0"/>
-              <a:t>2018-05-14</a:t>
+              <a:t>2018-05-23</a:t>
             </a:fld>
             <a:endParaRPr lang="ko-KR" altLang="en-US"/>
           </a:p>
@@ -799,7 +802,7 @@
           <a:p>
             <a:fld id="{6CFD7695-EAE3-49C5-AB12-73B0C7B01BF5}" type="datetimeFigureOut">
               <a:rPr lang="ko-KR" altLang="en-US" smtClean="0"/>
-              <a:t>2018-05-14</a:t>
+              <a:t>2018-05-23</a:t>
             </a:fld>
             <a:endParaRPr lang="ko-KR" altLang="en-US"/>
           </a:p>
@@ -979,7 +982,7 @@
           <a:p>
             <a:fld id="{6CFD7695-EAE3-49C5-AB12-73B0C7B01BF5}" type="datetimeFigureOut">
               <a:rPr lang="ko-KR" altLang="en-US" smtClean="0"/>
-              <a:t>2018-05-14</a:t>
+              <a:t>2018-05-23</a:t>
             </a:fld>
             <a:endParaRPr lang="ko-KR" altLang="en-US"/>
           </a:p>
@@ -1149,7 +1152,7 @@
           <a:p>
             <a:fld id="{6CFD7695-EAE3-49C5-AB12-73B0C7B01BF5}" type="datetimeFigureOut">
               <a:rPr lang="ko-KR" altLang="en-US" smtClean="0"/>
-              <a:t>2018-05-14</a:t>
+              <a:t>2018-05-23</a:t>
             </a:fld>
             <a:endParaRPr lang="ko-KR" altLang="en-US"/>
           </a:p>
@@ -1395,7 +1398,7 @@
           <a:p>
             <a:fld id="{6CFD7695-EAE3-49C5-AB12-73B0C7B01BF5}" type="datetimeFigureOut">
               <a:rPr lang="ko-KR" altLang="en-US" smtClean="0"/>
-              <a:t>2018-05-14</a:t>
+              <a:t>2018-05-23</a:t>
             </a:fld>
             <a:endParaRPr lang="ko-KR" altLang="en-US"/>
           </a:p>
@@ -1627,7 +1630,7 @@
           <a:p>
             <a:fld id="{6CFD7695-EAE3-49C5-AB12-73B0C7B01BF5}" type="datetimeFigureOut">
               <a:rPr lang="ko-KR" altLang="en-US" smtClean="0"/>
-              <a:t>2018-05-14</a:t>
+              <a:t>2018-05-23</a:t>
             </a:fld>
             <a:endParaRPr lang="ko-KR" altLang="en-US"/>
           </a:p>
@@ -1994,7 +1997,7 @@
           <a:p>
             <a:fld id="{6CFD7695-EAE3-49C5-AB12-73B0C7B01BF5}" type="datetimeFigureOut">
               <a:rPr lang="ko-KR" altLang="en-US" smtClean="0"/>
-              <a:t>2018-05-14</a:t>
+              <a:t>2018-05-23</a:t>
             </a:fld>
             <a:endParaRPr lang="ko-KR" altLang="en-US"/>
           </a:p>
@@ -2112,7 +2115,7 @@
           <a:p>
             <a:fld id="{6CFD7695-EAE3-49C5-AB12-73B0C7B01BF5}" type="datetimeFigureOut">
               <a:rPr lang="ko-KR" altLang="en-US" smtClean="0"/>
-              <a:t>2018-05-14</a:t>
+              <a:t>2018-05-23</a:t>
             </a:fld>
             <a:endParaRPr lang="ko-KR" altLang="en-US"/>
           </a:p>
@@ -2207,7 +2210,7 @@
           <a:p>
             <a:fld id="{6CFD7695-EAE3-49C5-AB12-73B0C7B01BF5}" type="datetimeFigureOut">
               <a:rPr lang="ko-KR" altLang="en-US" smtClean="0"/>
-              <a:t>2018-05-14</a:t>
+              <a:t>2018-05-23</a:t>
             </a:fld>
             <a:endParaRPr lang="ko-KR" altLang="en-US"/>
           </a:p>
@@ -2484,7 +2487,7 @@
           <a:p>
             <a:fld id="{6CFD7695-EAE3-49C5-AB12-73B0C7B01BF5}" type="datetimeFigureOut">
               <a:rPr lang="ko-KR" altLang="en-US" smtClean="0"/>
-              <a:t>2018-05-14</a:t>
+              <a:t>2018-05-23</a:t>
             </a:fld>
             <a:endParaRPr lang="ko-KR" altLang="en-US"/>
           </a:p>
@@ -2737,7 +2740,7 @@
           <a:p>
             <a:fld id="{6CFD7695-EAE3-49C5-AB12-73B0C7B01BF5}" type="datetimeFigureOut">
               <a:rPr lang="ko-KR" altLang="en-US" smtClean="0"/>
-              <a:t>2018-05-14</a:t>
+              <a:t>2018-05-23</a:t>
             </a:fld>
             <a:endParaRPr lang="ko-KR" altLang="en-US"/>
           </a:p>
@@ -2950,7 +2953,7 @@
           <a:p>
             <a:fld id="{6CFD7695-EAE3-49C5-AB12-73B0C7B01BF5}" type="datetimeFigureOut">
               <a:rPr lang="ko-KR" altLang="en-US" smtClean="0"/>
-              <a:t>2018-05-14</a:t>
+              <a:t>2018-05-23</a:t>
             </a:fld>
             <a:endParaRPr lang="ko-KR" altLang="en-US"/>
           </a:p>
@@ -3635,8 +3638,8 @@
         </p:nvSpPr>
         <p:spPr>
           <a:xfrm>
-            <a:off x="1509548" y="3215064"/>
-            <a:ext cx="9136118" cy="3046988"/>
+            <a:off x="1509548" y="3684621"/>
+            <a:ext cx="9136118" cy="1569660"/>
           </a:xfrm>
           <a:prstGeom prst="rect">
             <a:avLst/>
@@ -3731,80 +3734,12 @@
                 <a:latin typeface="HY수평선M" panose="02030600000101010101" pitchFamily="18" charset="-127"/>
                 <a:ea typeface="HY수평선M" panose="02030600000101010101" pitchFamily="18" charset="-127"/>
               </a:rPr>
-              <a:t>. </a:t>
-            </a:r>
-          </a:p>
-          <a:p>
-            <a:pPr marL="285750" indent="-285750">
-              <a:lnSpc>
-                <a:spcPct val="200000"/>
-              </a:lnSpc>
-              <a:buFontTx/>
-              <a:buChar char="-"/>
-            </a:pPr>
-            <a:r>
-              <a:rPr lang="ko-KR" altLang="en-US" sz="2400" dirty="0" smtClean="0">
-                <a:latin typeface="HY수평선M" panose="02030600000101010101" pitchFamily="18" charset="-127"/>
-                <a:ea typeface="HY수평선M" panose="02030600000101010101" pitchFamily="18" charset="-127"/>
-              </a:rPr>
-              <a:t>두 </a:t>
-            </a:r>
-            <a:r>
-              <a:rPr lang="ko-KR" altLang="en-US" sz="2400" dirty="0" err="1" smtClean="0">
-                <a:latin typeface="HY수평선M" panose="02030600000101010101" pitchFamily="18" charset="-127"/>
-                <a:ea typeface="HY수평선M" panose="02030600000101010101" pitchFamily="18" charset="-127"/>
-              </a:rPr>
-              <a:t>릴레이션을</a:t>
-            </a:r>
-            <a:r>
-              <a:rPr lang="ko-KR" altLang="en-US" sz="2400" dirty="0" smtClean="0">
-                <a:latin typeface="HY수평선M" panose="02030600000101010101" pitchFamily="18" charset="-127"/>
-                <a:ea typeface="HY수평선M" panose="02030600000101010101" pitchFamily="18" charset="-127"/>
-              </a:rPr>
-              <a:t> 조인할 때 조건에 비교연산자가 </a:t>
-            </a:r>
-            <a:r>
-              <a:rPr lang="ko-KR" altLang="en-US" sz="2400" dirty="0" err="1" smtClean="0">
-                <a:latin typeface="HY수평선M" panose="02030600000101010101" pitchFamily="18" charset="-127"/>
-                <a:ea typeface="HY수평선M" panose="02030600000101010101" pitchFamily="18" charset="-127"/>
-              </a:rPr>
-              <a:t>사용되는것을</a:t>
-            </a:r>
-            <a:r>
-              <a:rPr lang="ko-KR" altLang="en-US" sz="2400" dirty="0" smtClean="0">
-                <a:latin typeface="HY수평선M" panose="02030600000101010101" pitchFamily="18" charset="-127"/>
-                <a:ea typeface="HY수평선M" panose="02030600000101010101" pitchFamily="18" charset="-127"/>
-              </a:rPr>
-              <a:t> </a:t>
-            </a:r>
-            <a:r>
-              <a:rPr lang="ko-KR" altLang="en-US" sz="2400" dirty="0" err="1" smtClean="0">
-                <a:latin typeface="HY수평선M" panose="02030600000101010101" pitchFamily="18" charset="-127"/>
-                <a:ea typeface="HY수평선M" panose="02030600000101010101" pitchFamily="18" charset="-127"/>
-              </a:rPr>
-              <a:t>세타조인</a:t>
-            </a:r>
-            <a:r>
-              <a:rPr lang="en-US" altLang="ko-KR" sz="2400" dirty="0" smtClean="0">
-                <a:latin typeface="HY수평선M" panose="02030600000101010101" pitchFamily="18" charset="-127"/>
-                <a:ea typeface="HY수평선M" panose="02030600000101010101" pitchFamily="18" charset="-127"/>
-              </a:rPr>
-              <a:t>, =</a:t>
-            </a:r>
-            <a:r>
-              <a:rPr lang="ko-KR" altLang="en-US" sz="2400" dirty="0" smtClean="0">
-                <a:latin typeface="HY수평선M" panose="02030600000101010101" pitchFamily="18" charset="-127"/>
-                <a:ea typeface="HY수평선M" panose="02030600000101010101" pitchFamily="18" charset="-127"/>
-              </a:rPr>
-              <a:t>등호 연산자가 사용되면 동등조인이다</a:t>
-            </a:r>
-            <a:r>
-              <a:rPr lang="en-US" altLang="ko-KR" sz="2400" dirty="0" smtClean="0">
-                <a:latin typeface="HY수평선M" panose="02030600000101010101" pitchFamily="18" charset="-127"/>
-                <a:ea typeface="HY수평선M" panose="02030600000101010101" pitchFamily="18" charset="-127"/>
-              </a:rPr>
-              <a:t>. </a:t>
-            </a:r>
+              <a:t>.</a:t>
+            </a:r>
+            <a:endParaRPr lang="en-US" altLang="ko-KR" sz="2400" dirty="0" smtClean="0">
+              <a:latin typeface="HY수평선M" panose="02030600000101010101" pitchFamily="18" charset="-127"/>
+              <a:ea typeface="HY수평선M" panose="02030600000101010101" pitchFamily="18" charset="-127"/>
+            </a:endParaRPr>
           </a:p>
         </p:txBody>
       </p:sp>
@@ -3829,6 +3764,1128 @@
 </file>
 
 <file path=ppt/slides/slide11.xml><?xml version="1.0" encoding="utf-8"?>
+<p:sld xmlns:a="http://schemas.openxmlformats.org/drawingml/2006/main" xmlns:r="http://schemas.openxmlformats.org/officeDocument/2006/relationships" xmlns:p="http://schemas.openxmlformats.org/presentationml/2006/main">
+  <p:cSld>
+    <p:spTree>
+      <p:nvGrpSpPr>
+        <p:cNvPr id="1" name=""/>
+        <p:cNvGrpSpPr/>
+        <p:nvPr/>
+      </p:nvGrpSpPr>
+      <p:grpSpPr>
+        <a:xfrm>
+          <a:off x="0" y="0"/>
+          <a:ext cx="0" cy="0"/>
+          <a:chOff x="0" y="0"/>
+          <a:chExt cx="0" cy="0"/>
+        </a:xfrm>
+      </p:grpSpPr>
+      <p:sp>
+        <p:nvSpPr>
+          <p:cNvPr id="3" name="내용 개체 틀 2"/>
+          <p:cNvSpPr>
+            <a:spLocks noGrp="1"/>
+          </p:cNvSpPr>
+          <p:nvPr>
+            <p:ph idx="1"/>
+          </p:nvPr>
+        </p:nvSpPr>
+        <p:spPr>
+          <a:xfrm>
+            <a:off x="838200" y="1267968"/>
+            <a:ext cx="10515600" cy="4908995"/>
+          </a:xfrm>
+        </p:spPr>
+        <p:txBody>
+          <a:bodyPr>
+            <a:normAutofit/>
+          </a:bodyPr>
+          <a:lstStyle/>
+          <a:p>
+            <a:pPr marL="0" lvl="1" indent="0">
+              <a:lnSpc>
+                <a:spcPct val="150000"/>
+              </a:lnSpc>
+              <a:spcBef>
+                <a:spcPts val="1000"/>
+              </a:spcBef>
+              <a:buNone/>
+            </a:pPr>
+            <a:r>
+              <a:rPr lang="en-US" altLang="ko-KR" dirty="0" smtClean="0">
+                <a:latin typeface="HY수평선M" panose="02030600000101010101" pitchFamily="18" charset="-127"/>
+                <a:ea typeface="HY수평선M" panose="02030600000101010101" pitchFamily="18" charset="-127"/>
+              </a:rPr>
+              <a:t>- </a:t>
+            </a:r>
+            <a:r>
+              <a:rPr lang="ko-KR" altLang="en-US" dirty="0" smtClean="0">
+                <a:latin typeface="HY수평선M" panose="02030600000101010101" pitchFamily="18" charset="-127"/>
+                <a:ea typeface="HY수평선M" panose="02030600000101010101" pitchFamily="18" charset="-127"/>
+              </a:rPr>
+              <a:t>자연 </a:t>
+            </a:r>
+            <a:r>
+              <a:rPr lang="ko-KR" altLang="en-US" dirty="0">
+                <a:latin typeface="HY수평선M" panose="02030600000101010101" pitchFamily="18" charset="-127"/>
+                <a:ea typeface="HY수평선M" panose="02030600000101010101" pitchFamily="18" charset="-127"/>
+              </a:rPr>
+              <a:t>조인</a:t>
+            </a:r>
+            <a:r>
+              <a:rPr lang="en-US" altLang="ko-KR" dirty="0">
+                <a:latin typeface="HY수평선M" panose="02030600000101010101" pitchFamily="18" charset="-127"/>
+                <a:ea typeface="HY수평선M" panose="02030600000101010101" pitchFamily="18" charset="-127"/>
+              </a:rPr>
+              <a:t>(</a:t>
+            </a:r>
+            <a:r>
+              <a:rPr lang="el-GR" altLang="ko-KR" dirty="0">
+                <a:latin typeface="HY수평선M" panose="02030600000101010101" pitchFamily="18" charset="-127"/>
+                <a:ea typeface="HY수평선M" panose="02030600000101010101" pitchFamily="18" charset="-127"/>
+              </a:rPr>
+              <a:t>⋈</a:t>
+            </a:r>
+            <a:r>
+              <a:rPr lang="en-US" altLang="ko-KR" dirty="0">
+                <a:latin typeface="HY수평선M" panose="02030600000101010101" pitchFamily="18" charset="-127"/>
+                <a:ea typeface="HY수평선M" panose="02030600000101010101" pitchFamily="18" charset="-127"/>
+              </a:rPr>
+              <a:t>) (Natural </a:t>
+            </a:r>
+            <a:r>
+              <a:rPr lang="en-US" altLang="ko-KR" dirty="0" smtClean="0">
+                <a:latin typeface="HY수평선M" panose="02030600000101010101" pitchFamily="18" charset="-127"/>
+                <a:ea typeface="HY수평선M" panose="02030600000101010101" pitchFamily="18" charset="-127"/>
+              </a:rPr>
+              <a:t>Join)</a:t>
+            </a:r>
+          </a:p>
+          <a:p>
+            <a:pPr marL="0" lvl="1" indent="0">
+              <a:lnSpc>
+                <a:spcPct val="100000"/>
+              </a:lnSpc>
+              <a:spcBef>
+                <a:spcPts val="1000"/>
+              </a:spcBef>
+              <a:buNone/>
+            </a:pPr>
+            <a:r>
+              <a:rPr lang="en-US" altLang="ko-KR" sz="2000" dirty="0" smtClean="0"/>
+              <a:t>	- R </a:t>
+            </a:r>
+            <a:r>
+              <a:rPr lang="el-GR" altLang="ko-KR" sz="2000" dirty="0" smtClean="0"/>
+              <a:t>⋈</a:t>
+            </a:r>
+            <a:r>
+              <a:rPr lang="en-US" altLang="ko-KR" sz="2000" dirty="0" smtClean="0"/>
+              <a:t> S</a:t>
+            </a:r>
+          </a:p>
+          <a:p>
+            <a:pPr marL="0" lvl="1" indent="0">
+              <a:lnSpc>
+                <a:spcPct val="100000"/>
+              </a:lnSpc>
+              <a:spcBef>
+                <a:spcPts val="1000"/>
+              </a:spcBef>
+              <a:buNone/>
+            </a:pPr>
+            <a:r>
+              <a:rPr lang="en-US" altLang="ko-KR" sz="2000" b="1" dirty="0"/>
+              <a:t>	</a:t>
+            </a:r>
+            <a:r>
+              <a:rPr lang="en-US" altLang="ko-KR" sz="2000" dirty="0" smtClean="0">
+                <a:latin typeface="HY수평선M" panose="02030600000101010101" pitchFamily="18" charset="-127"/>
+                <a:ea typeface="HY수평선M" panose="02030600000101010101" pitchFamily="18" charset="-127"/>
+              </a:rPr>
+              <a:t>-</a:t>
+            </a:r>
+            <a:r>
+              <a:rPr lang="en-US" altLang="ko-KR" sz="2000" b="1" dirty="0" smtClean="0">
+                <a:latin typeface="HY수평선M" panose="02030600000101010101" pitchFamily="18" charset="-127"/>
+                <a:ea typeface="HY수평선M" panose="02030600000101010101" pitchFamily="18" charset="-127"/>
+              </a:rPr>
+              <a:t> </a:t>
+            </a:r>
+            <a:r>
+              <a:rPr lang="ko-KR" altLang="en-US" sz="1600" b="1" dirty="0" smtClean="0">
+                <a:latin typeface="HY수평선M" panose="02030600000101010101" pitchFamily="18" charset="-127"/>
+                <a:ea typeface="HY수평선M" panose="02030600000101010101" pitchFamily="18" charset="-127"/>
+              </a:rPr>
+              <a:t>리본 </a:t>
+            </a:r>
+            <a:r>
+              <a:rPr lang="ko-KR" altLang="en-US" sz="1600" b="1" dirty="0" smtClean="0">
+                <a:latin typeface="HY수평선M" panose="02030600000101010101" pitchFamily="18" charset="-127"/>
+                <a:ea typeface="HY수평선M" panose="02030600000101010101" pitchFamily="18" charset="-127"/>
+              </a:rPr>
+              <a:t>기호</a:t>
+            </a:r>
+            <a:r>
+              <a:rPr lang="ko-KR" altLang="en-US" sz="1600" dirty="0" smtClean="0">
+                <a:latin typeface="HY수평선M" panose="02030600000101010101" pitchFamily="18" charset="-127"/>
+                <a:ea typeface="HY수평선M" panose="02030600000101010101" pitchFamily="18" charset="-127"/>
+              </a:rPr>
+              <a:t>를 이용하여 </a:t>
+            </a:r>
+            <a:r>
+              <a:rPr lang="ko-KR" altLang="en-US" sz="1600" dirty="0" smtClean="0">
+                <a:latin typeface="HY수평선M" panose="02030600000101010101" pitchFamily="18" charset="-127"/>
+                <a:ea typeface="HY수평선M" panose="02030600000101010101" pitchFamily="18" charset="-127"/>
+              </a:rPr>
+              <a:t>표현</a:t>
+            </a:r>
+            <a:endParaRPr lang="en-US" altLang="ko-KR" sz="1600" dirty="0" smtClean="0">
+              <a:latin typeface="HY수평선M" panose="02030600000101010101" pitchFamily="18" charset="-127"/>
+              <a:ea typeface="HY수평선M" panose="02030600000101010101" pitchFamily="18" charset="-127"/>
+            </a:endParaRPr>
+          </a:p>
+          <a:p>
+            <a:pPr marL="0" lvl="1" indent="0">
+              <a:lnSpc>
+                <a:spcPct val="100000"/>
+              </a:lnSpc>
+              <a:spcBef>
+                <a:spcPts val="1000"/>
+              </a:spcBef>
+              <a:buNone/>
+            </a:pPr>
+            <a:r>
+              <a:rPr lang="en-US" altLang="ko-KR" sz="1600" dirty="0">
+                <a:latin typeface="HY수평선M" panose="02030600000101010101" pitchFamily="18" charset="-127"/>
+                <a:ea typeface="HY수평선M" panose="02030600000101010101" pitchFamily="18" charset="-127"/>
+              </a:rPr>
+              <a:t>	</a:t>
+            </a:r>
+            <a:r>
+              <a:rPr lang="en-US" altLang="ko-KR" sz="1600" dirty="0" smtClean="0">
+                <a:latin typeface="HY수평선M" panose="02030600000101010101" pitchFamily="18" charset="-127"/>
+                <a:ea typeface="HY수평선M" panose="02030600000101010101" pitchFamily="18" charset="-127"/>
+              </a:rPr>
+              <a:t>- </a:t>
+            </a:r>
+            <a:r>
+              <a:rPr lang="ko-KR" altLang="en-US" sz="1600" dirty="0" smtClean="0">
+                <a:latin typeface="HY수평선M" panose="02030600000101010101" pitchFamily="18" charset="-127"/>
+                <a:ea typeface="HY수평선M" panose="02030600000101010101" pitchFamily="18" charset="-127"/>
+              </a:rPr>
+              <a:t>두 </a:t>
+            </a:r>
+            <a:r>
+              <a:rPr lang="ko-KR" altLang="en-US" sz="1600" dirty="0" err="1" smtClean="0">
+                <a:latin typeface="HY수평선M" panose="02030600000101010101" pitchFamily="18" charset="-127"/>
+                <a:ea typeface="HY수평선M" panose="02030600000101010101" pitchFamily="18" charset="-127"/>
+              </a:rPr>
+              <a:t>릴레이션에서</a:t>
+            </a:r>
+            <a:r>
+              <a:rPr lang="ko-KR" altLang="en-US" sz="1600" dirty="0" smtClean="0">
+                <a:latin typeface="HY수평선M" panose="02030600000101010101" pitchFamily="18" charset="-127"/>
+                <a:ea typeface="HY수평선M" panose="02030600000101010101" pitchFamily="18" charset="-127"/>
+              </a:rPr>
+              <a:t> </a:t>
+            </a:r>
+            <a:r>
+              <a:rPr lang="ko-KR" altLang="en-US" sz="1600" b="1" dirty="0" smtClean="0">
+                <a:solidFill>
+                  <a:srgbClr val="FF0000"/>
+                </a:solidFill>
+                <a:latin typeface="HY수평선M" panose="02030600000101010101" pitchFamily="18" charset="-127"/>
+                <a:ea typeface="HY수평선M" panose="02030600000101010101" pitchFamily="18" charset="-127"/>
+              </a:rPr>
+              <a:t>같은 이름을 가지고 있는 열 값을 기준</a:t>
+            </a:r>
+            <a:r>
+              <a:rPr lang="ko-KR" altLang="en-US" sz="1600" dirty="0" smtClean="0">
+                <a:latin typeface="HY수평선M" panose="02030600000101010101" pitchFamily="18" charset="-127"/>
+                <a:ea typeface="HY수평선M" panose="02030600000101010101" pitchFamily="18" charset="-127"/>
+              </a:rPr>
+              <a:t>으로 </a:t>
+            </a:r>
+            <a:r>
+              <a:rPr lang="ko-KR" altLang="en-US" sz="1600" dirty="0" err="1" smtClean="0">
+                <a:latin typeface="HY수평선M" panose="02030600000101010101" pitchFamily="18" charset="-127"/>
+                <a:ea typeface="HY수평선M" panose="02030600000101010101" pitchFamily="18" charset="-127"/>
+              </a:rPr>
+              <a:t>릴레이션을</a:t>
+            </a:r>
+            <a:r>
+              <a:rPr lang="ko-KR" altLang="en-US" sz="1600" dirty="0" smtClean="0">
+                <a:latin typeface="HY수평선M" panose="02030600000101010101" pitchFamily="18" charset="-127"/>
+                <a:ea typeface="HY수평선M" panose="02030600000101010101" pitchFamily="18" charset="-127"/>
+              </a:rPr>
+              <a:t> </a:t>
+            </a:r>
+            <a:r>
+              <a:rPr lang="ko-KR" altLang="en-US" sz="1600" dirty="0" smtClean="0">
+                <a:latin typeface="HY수평선M" panose="02030600000101010101" pitchFamily="18" charset="-127"/>
+                <a:ea typeface="HY수평선M" panose="02030600000101010101" pitchFamily="18" charset="-127"/>
+              </a:rPr>
+              <a:t>결합</a:t>
+            </a:r>
+            <a:endParaRPr lang="en-US" altLang="ko-KR" sz="1600" dirty="0" smtClean="0">
+              <a:latin typeface="HY수평선M" panose="02030600000101010101" pitchFamily="18" charset="-127"/>
+              <a:ea typeface="HY수평선M" panose="02030600000101010101" pitchFamily="18" charset="-127"/>
+            </a:endParaRPr>
+          </a:p>
+          <a:p>
+            <a:pPr marL="0" lvl="1" indent="0">
+              <a:lnSpc>
+                <a:spcPct val="100000"/>
+              </a:lnSpc>
+              <a:spcBef>
+                <a:spcPts val="1000"/>
+              </a:spcBef>
+              <a:buNone/>
+            </a:pPr>
+            <a:r>
+              <a:rPr lang="en-US" altLang="ko-KR" sz="1600" dirty="0">
+                <a:latin typeface="HY수평선M" panose="02030600000101010101" pitchFamily="18" charset="-127"/>
+                <a:ea typeface="HY수평선M" panose="02030600000101010101" pitchFamily="18" charset="-127"/>
+              </a:rPr>
+              <a:t>	</a:t>
+            </a:r>
+            <a:r>
+              <a:rPr lang="en-US" altLang="ko-KR" sz="1600" dirty="0" smtClean="0">
+                <a:latin typeface="HY수평선M" panose="02030600000101010101" pitchFamily="18" charset="-127"/>
+                <a:ea typeface="HY수평선M" panose="02030600000101010101" pitchFamily="18" charset="-127"/>
+              </a:rPr>
+              <a:t>- </a:t>
+            </a:r>
+            <a:r>
+              <a:rPr lang="ko-KR" altLang="en-US" sz="1600" dirty="0" smtClean="0">
+                <a:latin typeface="HY수평선M" panose="02030600000101010101" pitchFamily="18" charset="-127"/>
+                <a:ea typeface="HY수평선M" panose="02030600000101010101" pitchFamily="18" charset="-127"/>
+              </a:rPr>
+              <a:t>만약 </a:t>
+            </a:r>
+            <a:r>
+              <a:rPr lang="ko-KR" altLang="en-US" sz="1600" dirty="0" smtClean="0">
+                <a:latin typeface="HY수평선M" panose="02030600000101010101" pitchFamily="18" charset="-127"/>
+                <a:ea typeface="HY수평선M" panose="02030600000101010101" pitchFamily="18" charset="-127"/>
+              </a:rPr>
+              <a:t>특정 행이 결합을 할 수 없는 상황이면 그 행은 결과 </a:t>
+            </a:r>
+            <a:r>
+              <a:rPr lang="ko-KR" altLang="en-US" sz="1600" dirty="0" err="1">
+                <a:latin typeface="HY수평선M" panose="02030600000101010101" pitchFamily="18" charset="-127"/>
+                <a:ea typeface="HY수평선M" panose="02030600000101010101" pitchFamily="18" charset="-127"/>
+              </a:rPr>
+              <a:t>릴레이션에</a:t>
+            </a:r>
+            <a:r>
+              <a:rPr lang="ko-KR" altLang="en-US" sz="1600" dirty="0">
+                <a:latin typeface="HY수평선M" panose="02030600000101010101" pitchFamily="18" charset="-127"/>
+                <a:ea typeface="HY수평선M" panose="02030600000101010101" pitchFamily="18" charset="-127"/>
+              </a:rPr>
+              <a:t> 나타나지 않음</a:t>
+            </a:r>
+            <a:endParaRPr lang="en-US" altLang="ko-KR" sz="2000" dirty="0" smtClean="0">
+              <a:latin typeface="HY수평선M" panose="02030600000101010101" pitchFamily="18" charset="-127"/>
+              <a:ea typeface="HY수평선M" panose="02030600000101010101" pitchFamily="18" charset="-127"/>
+            </a:endParaRPr>
+          </a:p>
+        </p:txBody>
+      </p:sp>
+      <p:pic>
+        <p:nvPicPr>
+          <p:cNvPr id="4" name="그림 3"/>
+          <p:cNvPicPr>
+            <a:picLocks noChangeAspect="1"/>
+          </p:cNvPicPr>
+          <p:nvPr/>
+        </p:nvPicPr>
+        <p:blipFill>
+          <a:blip r:embed="rId2"/>
+          <a:stretch>
+            <a:fillRect/>
+          </a:stretch>
+        </p:blipFill>
+        <p:spPr>
+          <a:xfrm>
+            <a:off x="1090612" y="3722465"/>
+            <a:ext cx="10010775" cy="2505075"/>
+          </a:xfrm>
+          <a:prstGeom prst="rect">
+            <a:avLst/>
+          </a:prstGeom>
+        </p:spPr>
+      </p:pic>
+      <p:sp>
+        <p:nvSpPr>
+          <p:cNvPr id="6" name="TextBox 5"/>
+          <p:cNvSpPr txBox="1"/>
+          <p:nvPr/>
+        </p:nvSpPr>
+        <p:spPr>
+          <a:xfrm>
+            <a:off x="1509548" y="440228"/>
+            <a:ext cx="9616965" cy="646331"/>
+          </a:xfrm>
+          <a:prstGeom prst="rect">
+            <a:avLst/>
+          </a:prstGeom>
+          <a:noFill/>
+        </p:spPr>
+        <p:txBody>
+          <a:bodyPr wrap="square" rtlCol="0">
+            <a:spAutoFit/>
+          </a:bodyPr>
+          <a:lstStyle/>
+          <a:p>
+            <a:r>
+              <a:rPr lang="en-US" altLang="ko-KR" sz="3600" dirty="0" smtClean="0">
+                <a:latin typeface="HY동녘B" panose="02030600000101010101" pitchFamily="18" charset="-127"/>
+                <a:ea typeface="HY동녘B" panose="02030600000101010101" pitchFamily="18" charset="-127"/>
+              </a:rPr>
+              <a:t>6.3 JOIN </a:t>
+            </a:r>
+            <a:r>
+              <a:rPr lang="ko-KR" altLang="en-US" sz="3600" dirty="0" smtClean="0">
+                <a:latin typeface="HY동녘B" panose="02030600000101010101" pitchFamily="18" charset="-127"/>
+                <a:ea typeface="HY동녘B" panose="02030600000101010101" pitchFamily="18" charset="-127"/>
+              </a:rPr>
+              <a:t>연산</a:t>
+            </a:r>
+            <a:endParaRPr lang="ko-KR" altLang="en-US" sz="3600" dirty="0">
+              <a:latin typeface="HY동녘B" panose="02030600000101010101" pitchFamily="18" charset="-127"/>
+              <a:ea typeface="HY동녘B" panose="02030600000101010101" pitchFamily="18" charset="-127"/>
+            </a:endParaRPr>
+          </a:p>
+        </p:txBody>
+      </p:sp>
+    </p:spTree>
+    <p:extLst>
+      <p:ext uri="{BB962C8B-B14F-4D97-AF65-F5344CB8AC3E}">
+        <p14:creationId xmlns:p14="http://schemas.microsoft.com/office/powerpoint/2010/main" val="2018824619"/>
+      </p:ext>
+    </p:extLst>
+  </p:cSld>
+  <p:clrMapOvr>
+    <a:masterClrMapping/>
+  </p:clrMapOvr>
+  <p:timing>
+    <p:tnLst>
+      <p:par>
+        <p:cTn id="1" dur="indefinite" restart="never" nodeType="tmRoot"/>
+      </p:par>
+    </p:tnLst>
+  </p:timing>
+</p:sld>
+</file>
+
+<file path=ppt/slides/slide12.xml><?xml version="1.0" encoding="utf-8"?>
+<p:sld xmlns:a="http://schemas.openxmlformats.org/drawingml/2006/main" xmlns:r="http://schemas.openxmlformats.org/officeDocument/2006/relationships" xmlns:p="http://schemas.openxmlformats.org/presentationml/2006/main">
+  <p:cSld>
+    <p:spTree>
+      <p:nvGrpSpPr>
+        <p:cNvPr id="1" name=""/>
+        <p:cNvGrpSpPr/>
+        <p:nvPr/>
+      </p:nvGrpSpPr>
+      <p:grpSpPr>
+        <a:xfrm>
+          <a:off x="0" y="0"/>
+          <a:ext cx="0" cy="0"/>
+          <a:chOff x="0" y="0"/>
+          <a:chExt cx="0" cy="0"/>
+        </a:xfrm>
+      </p:grpSpPr>
+      <p:sp>
+        <p:nvSpPr>
+          <p:cNvPr id="3" name="내용 개체 틀 2"/>
+          <p:cNvSpPr>
+            <a:spLocks noGrp="1"/>
+          </p:cNvSpPr>
+          <p:nvPr>
+            <p:ph idx="1"/>
+          </p:nvPr>
+        </p:nvSpPr>
+        <p:spPr>
+          <a:xfrm>
+            <a:off x="838200" y="1267968"/>
+            <a:ext cx="10515600" cy="4908995"/>
+          </a:xfrm>
+        </p:spPr>
+        <p:txBody>
+          <a:bodyPr>
+            <a:normAutofit/>
+          </a:bodyPr>
+          <a:lstStyle/>
+          <a:p>
+            <a:pPr marL="0" lvl="1" indent="0">
+              <a:lnSpc>
+                <a:spcPct val="150000"/>
+              </a:lnSpc>
+              <a:spcBef>
+                <a:spcPts val="1000"/>
+              </a:spcBef>
+              <a:buNone/>
+            </a:pPr>
+            <a:r>
+              <a:rPr lang="en-US" altLang="ko-KR" dirty="0">
+                <a:latin typeface="HY수평선M" panose="02030600000101010101" pitchFamily="18" charset="-127"/>
+                <a:ea typeface="HY수평선M" panose="02030600000101010101" pitchFamily="18" charset="-127"/>
+              </a:rPr>
+              <a:t>- </a:t>
+            </a:r>
+            <a:r>
+              <a:rPr lang="ko-KR" altLang="en-US" dirty="0" err="1">
+                <a:latin typeface="HY수평선M" panose="02030600000101010101" pitchFamily="18" charset="-127"/>
+                <a:ea typeface="HY수평선M" panose="02030600000101010101" pitchFamily="18" charset="-127"/>
+              </a:rPr>
+              <a:t>세타</a:t>
+            </a:r>
+            <a:r>
+              <a:rPr lang="ko-KR" altLang="en-US" dirty="0">
+                <a:latin typeface="HY수평선M" panose="02030600000101010101" pitchFamily="18" charset="-127"/>
+                <a:ea typeface="HY수평선M" panose="02030600000101010101" pitchFamily="18" charset="-127"/>
+              </a:rPr>
+              <a:t> 조인</a:t>
+            </a:r>
+            <a:r>
+              <a:rPr lang="en-US" altLang="ko-KR" dirty="0">
+                <a:latin typeface="HY수평선M" panose="02030600000101010101" pitchFamily="18" charset="-127"/>
+                <a:ea typeface="HY수평선M" panose="02030600000101010101" pitchFamily="18" charset="-127"/>
+              </a:rPr>
+              <a:t>(</a:t>
+            </a:r>
+            <a:r>
+              <a:rPr lang="el-GR" altLang="ko-KR" dirty="0">
+                <a:latin typeface="HY수평선M" panose="02030600000101010101" pitchFamily="18" charset="-127"/>
+                <a:ea typeface="HY수평선M" panose="02030600000101010101" pitchFamily="18" charset="-127"/>
+              </a:rPr>
+              <a:t>θ</a:t>
+            </a:r>
+            <a:r>
+              <a:rPr lang="en-US" altLang="ko-KR" dirty="0">
+                <a:latin typeface="HY수평선M" panose="02030600000101010101" pitchFamily="18" charset="-127"/>
+                <a:ea typeface="HY수평선M" panose="02030600000101010101" pitchFamily="18" charset="-127"/>
+              </a:rPr>
+              <a:t>)</a:t>
+            </a:r>
+          </a:p>
+          <a:p>
+            <a:pPr marL="457200" lvl="1" indent="0">
+              <a:lnSpc>
+                <a:spcPct val="150000"/>
+              </a:lnSpc>
+              <a:buNone/>
+            </a:pPr>
+            <a:r>
+              <a:rPr lang="en-US" altLang="ko-KR" sz="2000" dirty="0" smtClean="0">
+                <a:latin typeface="HY수평선M" panose="02030600000101010101" pitchFamily="18" charset="-127"/>
+                <a:ea typeface="HY수평선M" panose="02030600000101010101" pitchFamily="18" charset="-127"/>
+              </a:rPr>
+              <a:t>- R </a:t>
+            </a:r>
+            <a:r>
+              <a:rPr lang="el-GR" altLang="ko-KR" sz="2000" dirty="0">
+                <a:latin typeface="HY수평선M" panose="02030600000101010101" pitchFamily="18" charset="-127"/>
+                <a:ea typeface="HY수평선M" panose="02030600000101010101" pitchFamily="18" charset="-127"/>
+              </a:rPr>
+              <a:t>⋈</a:t>
+            </a:r>
+            <a:r>
+              <a:rPr lang="el-GR" altLang="ko-KR" sz="900" dirty="0">
+                <a:latin typeface="HY수평선M" panose="02030600000101010101" pitchFamily="18" charset="-127"/>
+                <a:ea typeface="HY수평선M" panose="02030600000101010101" pitchFamily="18" charset="-127"/>
+              </a:rPr>
+              <a:t>θ</a:t>
+            </a:r>
+            <a:r>
+              <a:rPr lang="en-US" altLang="ko-KR" sz="2000" dirty="0" smtClean="0">
+                <a:latin typeface="HY수평선M" panose="02030600000101010101" pitchFamily="18" charset="-127"/>
+                <a:ea typeface="HY수평선M" panose="02030600000101010101" pitchFamily="18" charset="-127"/>
+              </a:rPr>
+              <a:t> S</a:t>
+            </a:r>
+            <a:endParaRPr lang="en-US" altLang="ko-KR" sz="2000" dirty="0">
+              <a:latin typeface="HY수평선M" panose="02030600000101010101" pitchFamily="18" charset="-127"/>
+              <a:ea typeface="HY수평선M" panose="02030600000101010101" pitchFamily="18" charset="-127"/>
+            </a:endParaRPr>
+          </a:p>
+          <a:p>
+            <a:pPr marL="457200" lvl="1" indent="0">
+              <a:lnSpc>
+                <a:spcPct val="150000"/>
+              </a:lnSpc>
+              <a:buNone/>
+            </a:pPr>
+            <a:r>
+              <a:rPr lang="en-US" altLang="ko-KR" sz="1600" b="1" dirty="0" smtClean="0">
+                <a:latin typeface="HY수평선M" panose="02030600000101010101" pitchFamily="18" charset="-127"/>
+                <a:ea typeface="HY수평선M" panose="02030600000101010101" pitchFamily="18" charset="-127"/>
+              </a:rPr>
+              <a:t>- </a:t>
+            </a:r>
+            <a:r>
+              <a:rPr lang="ko-KR" altLang="en-US" sz="1600" b="1" dirty="0" smtClean="0">
+                <a:latin typeface="HY수평선M" panose="02030600000101010101" pitchFamily="18" charset="-127"/>
+                <a:ea typeface="HY수평선M" panose="02030600000101010101" pitchFamily="18" charset="-127"/>
+              </a:rPr>
+              <a:t>리본 </a:t>
+            </a:r>
+            <a:r>
+              <a:rPr lang="ko-KR" altLang="en-US" sz="1600" b="1" dirty="0" smtClean="0">
+                <a:latin typeface="HY수평선M" panose="02030600000101010101" pitchFamily="18" charset="-127"/>
+                <a:ea typeface="HY수평선M" panose="02030600000101010101" pitchFamily="18" charset="-127"/>
+              </a:rPr>
+              <a:t>기호와 </a:t>
+            </a:r>
+            <a:r>
+              <a:rPr lang="ko-KR" altLang="en-US" sz="1600" b="1" dirty="0" err="1" smtClean="0">
+                <a:latin typeface="HY수평선M" panose="02030600000101010101" pitchFamily="18" charset="-127"/>
+                <a:ea typeface="HY수평선M" panose="02030600000101010101" pitchFamily="18" charset="-127"/>
+              </a:rPr>
+              <a:t>세타</a:t>
+            </a:r>
+            <a:r>
+              <a:rPr lang="ko-KR" altLang="en-US" sz="1600" b="1" dirty="0" smtClean="0">
+                <a:latin typeface="HY수평선M" panose="02030600000101010101" pitchFamily="18" charset="-127"/>
+                <a:ea typeface="HY수평선M" panose="02030600000101010101" pitchFamily="18" charset="-127"/>
+              </a:rPr>
+              <a:t> 기호</a:t>
+            </a:r>
+            <a:r>
+              <a:rPr lang="ko-KR" altLang="en-US" sz="1600" dirty="0" smtClean="0">
+                <a:latin typeface="HY수평선M" panose="02030600000101010101" pitchFamily="18" charset="-127"/>
+                <a:ea typeface="HY수평선M" panose="02030600000101010101" pitchFamily="18" charset="-127"/>
+              </a:rPr>
+              <a:t>를 이용하여 표현</a:t>
+            </a:r>
+            <a:endParaRPr lang="en-US" altLang="ko-KR" sz="1600" dirty="0" smtClean="0">
+              <a:latin typeface="HY수평선M" panose="02030600000101010101" pitchFamily="18" charset="-127"/>
+              <a:ea typeface="HY수평선M" panose="02030600000101010101" pitchFamily="18" charset="-127"/>
+            </a:endParaRPr>
+          </a:p>
+          <a:p>
+            <a:pPr lvl="1">
+              <a:lnSpc>
+                <a:spcPct val="150000"/>
+              </a:lnSpc>
+              <a:buFontTx/>
+              <a:buChar char="-"/>
+            </a:pPr>
+            <a:r>
+              <a:rPr lang="ko-KR" altLang="en-US" sz="1600" dirty="0" err="1" smtClean="0">
+                <a:latin typeface="HY수평선M" panose="02030600000101010101" pitchFamily="18" charset="-127"/>
+                <a:ea typeface="HY수평선M" panose="02030600000101010101" pitchFamily="18" charset="-127"/>
+              </a:rPr>
+              <a:t>세타</a:t>
+            </a:r>
+            <a:r>
+              <a:rPr lang="ko-KR" altLang="en-US" sz="1600" dirty="0" smtClean="0">
+                <a:latin typeface="HY수평선M" panose="02030600000101010101" pitchFamily="18" charset="-127"/>
+                <a:ea typeface="HY수평선M" panose="02030600000101010101" pitchFamily="18" charset="-127"/>
+              </a:rPr>
+              <a:t> </a:t>
+            </a:r>
+            <a:r>
+              <a:rPr lang="ko-KR" altLang="en-US" sz="1600" dirty="0" smtClean="0">
+                <a:latin typeface="HY수평선M" panose="02030600000101010101" pitchFamily="18" charset="-127"/>
+                <a:ea typeface="HY수평선M" panose="02030600000101010101" pitchFamily="18" charset="-127"/>
+              </a:rPr>
+              <a:t>조인은 </a:t>
+            </a:r>
+            <a:r>
+              <a:rPr lang="ko-KR" altLang="en-US" sz="1600" b="1" dirty="0" smtClean="0">
+                <a:solidFill>
+                  <a:srgbClr val="FF0000"/>
+                </a:solidFill>
+                <a:latin typeface="HY수평선M" panose="02030600000101010101" pitchFamily="18" charset="-127"/>
+                <a:ea typeface="HY수평선M" panose="02030600000101010101" pitchFamily="18" charset="-127"/>
+              </a:rPr>
+              <a:t>다양한 비교 연산자</a:t>
+            </a:r>
+            <a:r>
+              <a:rPr lang="en-US" altLang="ko-KR" sz="1600" b="1" dirty="0" smtClean="0">
+                <a:solidFill>
+                  <a:srgbClr val="FF0000"/>
+                </a:solidFill>
+                <a:latin typeface="HY수평선M" panose="02030600000101010101" pitchFamily="18" charset="-127"/>
+                <a:ea typeface="HY수평선M" panose="02030600000101010101" pitchFamily="18" charset="-127"/>
+              </a:rPr>
+              <a:t>(=, !=, &gt;, &gt;=, &lt;, &lt;=)</a:t>
+            </a:r>
+            <a:r>
+              <a:rPr lang="en-US" altLang="ko-KR" sz="1600" b="1" dirty="0" smtClean="0">
+                <a:latin typeface="HY수평선M" panose="02030600000101010101" pitchFamily="18" charset="-127"/>
+                <a:ea typeface="HY수평선M" panose="02030600000101010101" pitchFamily="18" charset="-127"/>
+              </a:rPr>
+              <a:t> </a:t>
+            </a:r>
+            <a:r>
+              <a:rPr lang="ko-KR" altLang="en-US" sz="1600" dirty="0" smtClean="0">
+                <a:latin typeface="HY수평선M" panose="02030600000101010101" pitchFamily="18" charset="-127"/>
+                <a:ea typeface="HY수평선M" panose="02030600000101010101" pitchFamily="18" charset="-127"/>
+              </a:rPr>
+              <a:t>를 사용하여 조인 조건을</a:t>
+            </a:r>
+            <a:r>
+              <a:rPr lang="en-US" altLang="ko-KR" sz="1600" dirty="0" smtClean="0">
+                <a:latin typeface="HY수평선M" panose="02030600000101010101" pitchFamily="18" charset="-127"/>
+                <a:ea typeface="HY수평선M" panose="02030600000101010101" pitchFamily="18" charset="-127"/>
+              </a:rPr>
+              <a:t> </a:t>
+            </a:r>
+            <a:r>
+              <a:rPr lang="ko-KR" altLang="en-US" sz="1600" dirty="0" smtClean="0">
+                <a:latin typeface="HY수평선M" panose="02030600000101010101" pitchFamily="18" charset="-127"/>
+                <a:ea typeface="HY수평선M" panose="02030600000101010101" pitchFamily="18" charset="-127"/>
+              </a:rPr>
+              <a:t>구성하는 </a:t>
+            </a:r>
+            <a:r>
+              <a:rPr lang="ko-KR" altLang="en-US" sz="1600" dirty="0" smtClean="0">
+                <a:latin typeface="HY수평선M" panose="02030600000101010101" pitchFamily="18" charset="-127"/>
+                <a:ea typeface="HY수평선M" panose="02030600000101010101" pitchFamily="18" charset="-127"/>
+              </a:rPr>
+              <a:t>것</a:t>
+            </a:r>
+            <a:endParaRPr lang="en-US" altLang="ko-KR" sz="1600" dirty="0">
+              <a:latin typeface="HY수평선M" panose="02030600000101010101" pitchFamily="18" charset="-127"/>
+              <a:ea typeface="HY수평선M" panose="02030600000101010101" pitchFamily="18" charset="-127"/>
+            </a:endParaRPr>
+          </a:p>
+          <a:p>
+            <a:pPr lvl="1">
+              <a:lnSpc>
+                <a:spcPct val="150000"/>
+              </a:lnSpc>
+              <a:buFontTx/>
+              <a:buChar char="-"/>
+            </a:pPr>
+            <a:r>
+              <a:rPr lang="ko-KR" altLang="en-US" sz="1600" dirty="0" smtClean="0">
+                <a:latin typeface="HY수평선M" panose="02030600000101010101" pitchFamily="18" charset="-127"/>
+                <a:ea typeface="HY수평선M" panose="02030600000101010101" pitchFamily="18" charset="-127"/>
+              </a:rPr>
+              <a:t>그 </a:t>
+            </a:r>
+            <a:r>
+              <a:rPr lang="ko-KR" altLang="en-US" sz="1600" dirty="0" smtClean="0">
+                <a:latin typeface="HY수평선M" panose="02030600000101010101" pitchFamily="18" charset="-127"/>
+                <a:ea typeface="HY수평선M" panose="02030600000101010101" pitchFamily="18" charset="-127"/>
+              </a:rPr>
+              <a:t>중 </a:t>
+            </a:r>
+            <a:r>
+              <a:rPr lang="ko-KR" altLang="en-US" sz="1600" b="1" dirty="0" smtClean="0">
+                <a:latin typeface="HY수평선M" panose="02030600000101010101" pitchFamily="18" charset="-127"/>
+                <a:ea typeface="HY수평선M" panose="02030600000101010101" pitchFamily="18" charset="-127"/>
+              </a:rPr>
+              <a:t>동등 연산자</a:t>
+            </a:r>
+            <a:r>
+              <a:rPr lang="en-US" altLang="ko-KR" sz="1600" b="1" dirty="0" smtClean="0">
+                <a:latin typeface="HY수평선M" panose="02030600000101010101" pitchFamily="18" charset="-127"/>
+                <a:ea typeface="HY수평선M" panose="02030600000101010101" pitchFamily="18" charset="-127"/>
+              </a:rPr>
+              <a:t>(=)</a:t>
+            </a:r>
+            <a:r>
+              <a:rPr lang="ko-KR" altLang="en-US" sz="1600" dirty="0" smtClean="0">
+                <a:latin typeface="HY수평선M" panose="02030600000101010101" pitchFamily="18" charset="-127"/>
+                <a:ea typeface="HY수평선M" panose="02030600000101010101" pitchFamily="18" charset="-127"/>
+              </a:rPr>
+              <a:t>를 사용한 </a:t>
+            </a:r>
+            <a:r>
+              <a:rPr lang="ko-KR" altLang="en-US" sz="1600" dirty="0" err="1" smtClean="0">
+                <a:latin typeface="HY수평선M" panose="02030600000101010101" pitchFamily="18" charset="-127"/>
+                <a:ea typeface="HY수평선M" panose="02030600000101010101" pitchFamily="18" charset="-127"/>
+              </a:rPr>
+              <a:t>세타</a:t>
+            </a:r>
+            <a:r>
+              <a:rPr lang="ko-KR" altLang="en-US" sz="1600" dirty="0" smtClean="0">
+                <a:latin typeface="HY수평선M" panose="02030600000101010101" pitchFamily="18" charset="-127"/>
+                <a:ea typeface="HY수평선M" panose="02030600000101010101" pitchFamily="18" charset="-127"/>
+              </a:rPr>
+              <a:t> 조인을 </a:t>
+            </a:r>
+            <a:r>
+              <a:rPr lang="ko-KR" altLang="en-US" sz="1600" b="1" dirty="0" smtClean="0">
+                <a:solidFill>
+                  <a:srgbClr val="FF0000"/>
+                </a:solidFill>
+                <a:latin typeface="HY수평선M" panose="02030600000101010101" pitchFamily="18" charset="-127"/>
+                <a:ea typeface="HY수평선M" panose="02030600000101010101" pitchFamily="18" charset="-127"/>
+              </a:rPr>
+              <a:t>동등 조인</a:t>
+            </a:r>
+            <a:r>
+              <a:rPr lang="en-US" altLang="ko-KR" sz="1600" b="1" dirty="0" smtClean="0">
+                <a:solidFill>
+                  <a:srgbClr val="FF0000"/>
+                </a:solidFill>
+                <a:latin typeface="HY수평선M" panose="02030600000101010101" pitchFamily="18" charset="-127"/>
+                <a:ea typeface="HY수평선M" panose="02030600000101010101" pitchFamily="18" charset="-127"/>
+              </a:rPr>
+              <a:t>(</a:t>
+            </a:r>
+            <a:r>
+              <a:rPr lang="en-US" altLang="ko-KR" sz="1600" b="1" dirty="0" err="1" smtClean="0">
+                <a:solidFill>
+                  <a:srgbClr val="FF0000"/>
+                </a:solidFill>
+                <a:latin typeface="HY수평선M" panose="02030600000101010101" pitchFamily="18" charset="-127"/>
+                <a:ea typeface="HY수평선M" panose="02030600000101010101" pitchFamily="18" charset="-127"/>
+              </a:rPr>
+              <a:t>equi</a:t>
+            </a:r>
+            <a:r>
+              <a:rPr lang="en-US" altLang="ko-KR" sz="1600" b="1" dirty="0" smtClean="0">
+                <a:solidFill>
+                  <a:srgbClr val="FF0000"/>
+                </a:solidFill>
+                <a:latin typeface="HY수평선M" panose="02030600000101010101" pitchFamily="18" charset="-127"/>
+                <a:ea typeface="HY수평선M" panose="02030600000101010101" pitchFamily="18" charset="-127"/>
+              </a:rPr>
+              <a:t>-join)</a:t>
+            </a:r>
+            <a:r>
+              <a:rPr lang="ko-KR" altLang="en-US" sz="1600" dirty="0" smtClean="0">
+                <a:latin typeface="HY수평선M" panose="02030600000101010101" pitchFamily="18" charset="-127"/>
+                <a:ea typeface="HY수평선M" panose="02030600000101010101" pitchFamily="18" charset="-127"/>
+              </a:rPr>
+              <a:t>이라고 부름</a:t>
+            </a:r>
+            <a:endParaRPr lang="en-US" altLang="ko-KR" sz="1600" dirty="0" smtClean="0">
+              <a:latin typeface="HY수평선M" panose="02030600000101010101" pitchFamily="18" charset="-127"/>
+              <a:ea typeface="HY수평선M" panose="02030600000101010101" pitchFamily="18" charset="-127"/>
+            </a:endParaRPr>
+          </a:p>
+        </p:txBody>
+      </p:sp>
+      <p:sp>
+        <p:nvSpPr>
+          <p:cNvPr id="5" name="TextBox 4"/>
+          <p:cNvSpPr txBox="1"/>
+          <p:nvPr/>
+        </p:nvSpPr>
+        <p:spPr>
+          <a:xfrm>
+            <a:off x="1509548" y="440228"/>
+            <a:ext cx="9616965" cy="646331"/>
+          </a:xfrm>
+          <a:prstGeom prst="rect">
+            <a:avLst/>
+          </a:prstGeom>
+          <a:noFill/>
+        </p:spPr>
+        <p:txBody>
+          <a:bodyPr wrap="square" rtlCol="0">
+            <a:spAutoFit/>
+          </a:bodyPr>
+          <a:lstStyle/>
+          <a:p>
+            <a:r>
+              <a:rPr lang="en-US" altLang="ko-KR" sz="3600" dirty="0" smtClean="0">
+                <a:latin typeface="HY동녘B" panose="02030600000101010101" pitchFamily="18" charset="-127"/>
+                <a:ea typeface="HY동녘B" panose="02030600000101010101" pitchFamily="18" charset="-127"/>
+              </a:rPr>
+              <a:t>6.3 JOIN </a:t>
+            </a:r>
+            <a:r>
+              <a:rPr lang="ko-KR" altLang="en-US" sz="3600" dirty="0" smtClean="0">
+                <a:latin typeface="HY동녘B" panose="02030600000101010101" pitchFamily="18" charset="-127"/>
+                <a:ea typeface="HY동녘B" panose="02030600000101010101" pitchFamily="18" charset="-127"/>
+              </a:rPr>
+              <a:t>연산</a:t>
+            </a:r>
+            <a:endParaRPr lang="ko-KR" altLang="en-US" sz="3600" dirty="0">
+              <a:latin typeface="HY동녘B" panose="02030600000101010101" pitchFamily="18" charset="-127"/>
+              <a:ea typeface="HY동녘B" panose="02030600000101010101" pitchFamily="18" charset="-127"/>
+            </a:endParaRPr>
+          </a:p>
+        </p:txBody>
+      </p:sp>
+    </p:spTree>
+    <p:extLst>
+      <p:ext uri="{BB962C8B-B14F-4D97-AF65-F5344CB8AC3E}">
+        <p14:creationId xmlns:p14="http://schemas.microsoft.com/office/powerpoint/2010/main" val="765951969"/>
+      </p:ext>
+    </p:extLst>
+  </p:cSld>
+  <p:clrMapOvr>
+    <a:masterClrMapping/>
+  </p:clrMapOvr>
+  <p:timing>
+    <p:tnLst>
+      <p:par>
+        <p:cTn id="1" dur="indefinite" restart="never" nodeType="tmRoot"/>
+      </p:par>
+    </p:tnLst>
+  </p:timing>
+</p:sld>
+</file>
+
+<file path=ppt/slides/slide13.xml><?xml version="1.0" encoding="utf-8"?>
+<p:sld xmlns:a="http://schemas.openxmlformats.org/drawingml/2006/main" xmlns:r="http://schemas.openxmlformats.org/officeDocument/2006/relationships" xmlns:p="http://schemas.openxmlformats.org/presentationml/2006/main">
+  <p:cSld>
+    <p:spTree>
+      <p:nvGrpSpPr>
+        <p:cNvPr id="1" name=""/>
+        <p:cNvGrpSpPr/>
+        <p:nvPr/>
+      </p:nvGrpSpPr>
+      <p:grpSpPr>
+        <a:xfrm>
+          <a:off x="0" y="0"/>
+          <a:ext cx="0" cy="0"/>
+          <a:chOff x="0" y="0"/>
+          <a:chExt cx="0" cy="0"/>
+        </a:xfrm>
+      </p:grpSpPr>
+      <p:sp>
+        <p:nvSpPr>
+          <p:cNvPr id="3" name="내용 개체 틀 2"/>
+          <p:cNvSpPr>
+            <a:spLocks noGrp="1"/>
+          </p:cNvSpPr>
+          <p:nvPr>
+            <p:ph idx="1"/>
+          </p:nvPr>
+        </p:nvSpPr>
+        <p:spPr>
+          <a:xfrm>
+            <a:off x="838200" y="1267968"/>
+            <a:ext cx="10515600" cy="4908995"/>
+          </a:xfrm>
+        </p:spPr>
+        <p:txBody>
+          <a:bodyPr>
+            <a:normAutofit/>
+          </a:bodyPr>
+          <a:lstStyle/>
+          <a:p>
+            <a:pPr marL="0" lvl="1" indent="0">
+              <a:lnSpc>
+                <a:spcPct val="150000"/>
+              </a:lnSpc>
+              <a:spcBef>
+                <a:spcPts val="1000"/>
+              </a:spcBef>
+              <a:buNone/>
+            </a:pPr>
+            <a:r>
+              <a:rPr lang="en-US" altLang="ko-KR" dirty="0">
+                <a:latin typeface="HY수평선M" panose="02030600000101010101" pitchFamily="18" charset="-127"/>
+                <a:ea typeface="HY수평선M" panose="02030600000101010101" pitchFamily="18" charset="-127"/>
+              </a:rPr>
+              <a:t>- </a:t>
+            </a:r>
+            <a:r>
+              <a:rPr lang="ko-KR" altLang="en-US" dirty="0" err="1">
+                <a:latin typeface="HY수평선M" panose="02030600000101010101" pitchFamily="18" charset="-127"/>
+                <a:ea typeface="HY수평선M" panose="02030600000101010101" pitchFamily="18" charset="-127"/>
+              </a:rPr>
+              <a:t>세타</a:t>
+            </a:r>
+            <a:r>
+              <a:rPr lang="ko-KR" altLang="en-US" dirty="0">
+                <a:latin typeface="HY수평선M" panose="02030600000101010101" pitchFamily="18" charset="-127"/>
+                <a:ea typeface="HY수평선M" panose="02030600000101010101" pitchFamily="18" charset="-127"/>
+              </a:rPr>
+              <a:t> 조인</a:t>
+            </a:r>
+            <a:r>
+              <a:rPr lang="en-US" altLang="ko-KR" dirty="0">
+                <a:latin typeface="HY수평선M" panose="02030600000101010101" pitchFamily="18" charset="-127"/>
+                <a:ea typeface="HY수평선M" panose="02030600000101010101" pitchFamily="18" charset="-127"/>
+              </a:rPr>
+              <a:t>(</a:t>
+            </a:r>
+            <a:r>
+              <a:rPr lang="el-GR" altLang="ko-KR" dirty="0">
+                <a:latin typeface="HY수평선M" panose="02030600000101010101" pitchFamily="18" charset="-127"/>
+                <a:ea typeface="HY수평선M" panose="02030600000101010101" pitchFamily="18" charset="-127"/>
+              </a:rPr>
+              <a:t>θ</a:t>
+            </a:r>
+            <a:r>
+              <a:rPr lang="en-US" altLang="ko-KR" dirty="0">
+                <a:latin typeface="HY수평선M" panose="02030600000101010101" pitchFamily="18" charset="-127"/>
+                <a:ea typeface="HY수평선M" panose="02030600000101010101" pitchFamily="18" charset="-127"/>
+              </a:rPr>
+              <a:t>) </a:t>
+            </a:r>
+            <a:r>
+              <a:rPr lang="ko-KR" altLang="en-US" dirty="0">
+                <a:latin typeface="HY수평선M" panose="02030600000101010101" pitchFamily="18" charset="-127"/>
+                <a:ea typeface="HY수평선M" panose="02030600000101010101" pitchFamily="18" charset="-127"/>
+              </a:rPr>
+              <a:t>사례</a:t>
+            </a:r>
+            <a:endParaRPr lang="en-US" altLang="ko-KR" dirty="0">
+              <a:latin typeface="HY수평선M" panose="02030600000101010101" pitchFamily="18" charset="-127"/>
+              <a:ea typeface="HY수평선M" panose="02030600000101010101" pitchFamily="18" charset="-127"/>
+            </a:endParaRPr>
+          </a:p>
+          <a:p>
+            <a:pPr marL="457200" lvl="2" indent="0">
+              <a:lnSpc>
+                <a:spcPct val="150000"/>
+              </a:lnSpc>
+              <a:spcBef>
+                <a:spcPts val="1000"/>
+              </a:spcBef>
+              <a:buNone/>
+            </a:pPr>
+            <a:r>
+              <a:rPr lang="en-US" altLang="ko-KR" dirty="0" smtClean="0">
+                <a:latin typeface="HY수평선M" panose="02030600000101010101" pitchFamily="18" charset="-127"/>
+                <a:ea typeface="HY수평선M" panose="02030600000101010101" pitchFamily="18" charset="-127"/>
+              </a:rPr>
+              <a:t>- </a:t>
+            </a:r>
+            <a:r>
+              <a:rPr lang="ko-KR" altLang="en-US" dirty="0" smtClean="0">
+                <a:latin typeface="HY수평선M" panose="02030600000101010101" pitchFamily="18" charset="-127"/>
+                <a:ea typeface="HY수평선M" panose="02030600000101010101" pitchFamily="18" charset="-127"/>
+              </a:rPr>
+              <a:t>각각의 </a:t>
+            </a:r>
+            <a:r>
+              <a:rPr lang="ko-KR" altLang="en-US" dirty="0" smtClean="0">
+                <a:latin typeface="HY수평선M" panose="02030600000101010101" pitchFamily="18" charset="-127"/>
+                <a:ea typeface="HY수평선M" panose="02030600000101010101" pitchFamily="18" charset="-127"/>
+              </a:rPr>
+              <a:t>자동차보다 가격이 같거나 더 싼 보트들의 정보를 얻어내고자 상황에 세미 조인을 사용 </a:t>
+            </a:r>
+            <a:r>
+              <a:rPr lang="en-US" altLang="ko-KR" dirty="0" smtClean="0">
+                <a:latin typeface="HY수평선M" panose="02030600000101010101" pitchFamily="18" charset="-127"/>
+                <a:ea typeface="HY수평선M" panose="02030600000101010101" pitchFamily="18" charset="-127"/>
+              </a:rPr>
+              <a:t>(</a:t>
+            </a:r>
+            <a:r>
+              <a:rPr lang="en-US" altLang="ko-KR" dirty="0" err="1" smtClean="0">
+                <a:latin typeface="HY수평선M" panose="02030600000101010101" pitchFamily="18" charset="-127"/>
+                <a:ea typeface="HY수평선M" panose="02030600000101010101" pitchFamily="18" charset="-127"/>
+              </a:rPr>
+              <a:t>CarPirce</a:t>
+            </a:r>
+            <a:r>
+              <a:rPr lang="en-US" altLang="ko-KR" dirty="0" smtClean="0">
+                <a:latin typeface="HY수평선M" panose="02030600000101010101" pitchFamily="18" charset="-127"/>
+                <a:ea typeface="HY수평선M" panose="02030600000101010101" pitchFamily="18" charset="-127"/>
+              </a:rPr>
+              <a:t> &gt;= </a:t>
+            </a:r>
+            <a:r>
+              <a:rPr lang="en-US" altLang="ko-KR" dirty="0" err="1" smtClean="0">
+                <a:latin typeface="HY수평선M" panose="02030600000101010101" pitchFamily="18" charset="-127"/>
+                <a:ea typeface="HY수평선M" panose="02030600000101010101" pitchFamily="18" charset="-127"/>
+              </a:rPr>
+              <a:t>BoatPrice</a:t>
+            </a:r>
+            <a:r>
+              <a:rPr lang="en-US" altLang="ko-KR" dirty="0" smtClean="0">
+                <a:latin typeface="HY수평선M" panose="02030600000101010101" pitchFamily="18" charset="-127"/>
+                <a:ea typeface="HY수평선M" panose="02030600000101010101" pitchFamily="18" charset="-127"/>
+              </a:rPr>
+              <a:t>)</a:t>
+            </a:r>
+          </a:p>
+        </p:txBody>
+      </p:sp>
+      <p:pic>
+        <p:nvPicPr>
+          <p:cNvPr id="4" name="그림 3"/>
+          <p:cNvPicPr>
+            <a:picLocks noChangeAspect="1"/>
+          </p:cNvPicPr>
+          <p:nvPr/>
+        </p:nvPicPr>
+        <p:blipFill>
+          <a:blip r:embed="rId2"/>
+          <a:stretch>
+            <a:fillRect/>
+          </a:stretch>
+        </p:blipFill>
+        <p:spPr>
+          <a:xfrm>
+            <a:off x="1133475" y="3128963"/>
+            <a:ext cx="9925050" cy="3048000"/>
+          </a:xfrm>
+          <a:prstGeom prst="rect">
+            <a:avLst/>
+          </a:prstGeom>
+        </p:spPr>
+      </p:pic>
+      <p:sp>
+        <p:nvSpPr>
+          <p:cNvPr id="6" name="TextBox 5"/>
+          <p:cNvSpPr txBox="1"/>
+          <p:nvPr/>
+        </p:nvSpPr>
+        <p:spPr>
+          <a:xfrm>
+            <a:off x="1509548" y="440228"/>
+            <a:ext cx="9616965" cy="646331"/>
+          </a:xfrm>
+          <a:prstGeom prst="rect">
+            <a:avLst/>
+          </a:prstGeom>
+          <a:noFill/>
+        </p:spPr>
+        <p:txBody>
+          <a:bodyPr wrap="square" rtlCol="0">
+            <a:spAutoFit/>
+          </a:bodyPr>
+          <a:lstStyle/>
+          <a:p>
+            <a:r>
+              <a:rPr lang="en-US" altLang="ko-KR" sz="3600" dirty="0" smtClean="0">
+                <a:latin typeface="HY동녘B" panose="02030600000101010101" pitchFamily="18" charset="-127"/>
+                <a:ea typeface="HY동녘B" panose="02030600000101010101" pitchFamily="18" charset="-127"/>
+              </a:rPr>
+              <a:t>6.3 JOIN </a:t>
+            </a:r>
+            <a:r>
+              <a:rPr lang="ko-KR" altLang="en-US" sz="3600" dirty="0" smtClean="0">
+                <a:latin typeface="HY동녘B" panose="02030600000101010101" pitchFamily="18" charset="-127"/>
+                <a:ea typeface="HY동녘B" panose="02030600000101010101" pitchFamily="18" charset="-127"/>
+              </a:rPr>
+              <a:t>연산</a:t>
+            </a:r>
+            <a:endParaRPr lang="ko-KR" altLang="en-US" sz="3600" dirty="0">
+              <a:latin typeface="HY동녘B" panose="02030600000101010101" pitchFamily="18" charset="-127"/>
+              <a:ea typeface="HY동녘B" panose="02030600000101010101" pitchFamily="18" charset="-127"/>
+            </a:endParaRPr>
+          </a:p>
+        </p:txBody>
+      </p:sp>
+    </p:spTree>
+    <p:extLst>
+      <p:ext uri="{BB962C8B-B14F-4D97-AF65-F5344CB8AC3E}">
+        <p14:creationId xmlns:p14="http://schemas.microsoft.com/office/powerpoint/2010/main" val="712642362"/>
+      </p:ext>
+    </p:extLst>
+  </p:cSld>
+  <p:clrMapOvr>
+    <a:masterClrMapping/>
+  </p:clrMapOvr>
+  <p:timing>
+    <p:tnLst>
+      <p:par>
+        <p:cTn id="1" dur="indefinite" restart="never" nodeType="tmRoot"/>
+      </p:par>
+    </p:tnLst>
+  </p:timing>
+</p:sld>
+</file>
+
+<file path=ppt/slides/slide14.xml><?xml version="1.0" encoding="utf-8"?>
 <p:sld xmlns:a="http://schemas.openxmlformats.org/drawingml/2006/main" xmlns:r="http://schemas.openxmlformats.org/officeDocument/2006/relationships" xmlns:p="http://schemas.openxmlformats.org/presentationml/2006/main">
   <p:cSld>
     <p:spTree>
@@ -4079,7 +5136,7 @@
 </p:sld>
 </file>
 
-<file path=ppt/slides/slide12.xml><?xml version="1.0" encoding="utf-8"?>
+<file path=ppt/slides/slide15.xml><?xml version="1.0" encoding="utf-8"?>
 <p:sld xmlns:a="http://schemas.openxmlformats.org/drawingml/2006/main" xmlns:r="http://schemas.openxmlformats.org/officeDocument/2006/relationships" xmlns:p="http://schemas.openxmlformats.org/presentationml/2006/main">
   <p:cSld>
     <p:spTree>
@@ -5589,7 +6646,7 @@
 </p:sld>
 </file>
 
-<file path=ppt/slides/slide13.xml><?xml version="1.0" encoding="utf-8"?>
+<file path=ppt/slides/slide16.xml><?xml version="1.0" encoding="utf-8"?>
 <p:sld xmlns:a="http://schemas.openxmlformats.org/drawingml/2006/main" xmlns:r="http://schemas.openxmlformats.org/officeDocument/2006/relationships" xmlns:p="http://schemas.openxmlformats.org/presentationml/2006/main">
   <p:cSld>
     <p:spTree>
@@ -5774,7 +6831,7 @@
 </p:sld>
 </file>
 
-<file path=ppt/slides/slide14.xml><?xml version="1.0" encoding="utf-8"?>
+<file path=ppt/slides/slide17.xml><?xml version="1.0" encoding="utf-8"?>
 <p:sld xmlns:a="http://schemas.openxmlformats.org/drawingml/2006/main" xmlns:r="http://schemas.openxmlformats.org/officeDocument/2006/relationships" xmlns:p="http://schemas.openxmlformats.org/presentationml/2006/main">
   <p:cSld>
     <p:spTree>
@@ -5818,7 +6875,7 @@
               <a:buChar char="-"/>
             </a:pPr>
             <a:r>
-              <a:rPr lang="ko-KR" altLang="en-US" sz="2400" dirty="0">
+              <a:rPr lang="ko-KR" altLang="en-US" sz="2400" dirty="0" smtClean="0">
                 <a:latin typeface="HY수평선M" panose="02030600000101010101" pitchFamily="18" charset="-127"/>
                 <a:ea typeface="HY수평선M" panose="02030600000101010101" pitchFamily="18" charset="-127"/>
               </a:rPr>
@@ -6203,485 +7260,6 @@
     <p:extLst>
       <p:ext uri="{BB962C8B-B14F-4D97-AF65-F5344CB8AC3E}">
         <p14:creationId xmlns:p14="http://schemas.microsoft.com/office/powerpoint/2010/main" val="1574581320"/>
-      </p:ext>
-    </p:extLst>
-  </p:cSld>
-  <p:clrMapOvr>
-    <a:masterClrMapping/>
-  </p:clrMapOvr>
-  <p:timing>
-    <p:tnLst>
-      <p:par>
-        <p:cTn id="1" dur="indefinite" restart="never" nodeType="tmRoot"/>
-      </p:par>
-    </p:tnLst>
-  </p:timing>
-</p:sld>
-</file>
-
-<file path=ppt/slides/slide15.xml><?xml version="1.0" encoding="utf-8"?>
-<p:sld xmlns:a="http://schemas.openxmlformats.org/drawingml/2006/main" xmlns:r="http://schemas.openxmlformats.org/officeDocument/2006/relationships" xmlns:p="http://schemas.openxmlformats.org/presentationml/2006/main">
-  <p:cSld>
-    <p:spTree>
-      <p:nvGrpSpPr>
-        <p:cNvPr id="1" name=""/>
-        <p:cNvGrpSpPr/>
-        <p:nvPr/>
-      </p:nvGrpSpPr>
-      <p:grpSpPr>
-        <a:xfrm>
-          <a:off x="0" y="0"/>
-          <a:ext cx="0" cy="0"/>
-          <a:chOff x="0" y="0"/>
-          <a:chExt cx="0" cy="0"/>
-        </a:xfrm>
-      </p:grpSpPr>
-      <p:sp>
-        <p:nvSpPr>
-          <p:cNvPr id="8" name="TextBox 7"/>
-          <p:cNvSpPr txBox="1"/>
-          <p:nvPr/>
-        </p:nvSpPr>
-        <p:spPr>
-          <a:xfrm>
-            <a:off x="1509548" y="440228"/>
-            <a:ext cx="9616965" cy="646331"/>
-          </a:xfrm>
-          <a:prstGeom prst="rect">
-            <a:avLst/>
-          </a:prstGeom>
-          <a:noFill/>
-        </p:spPr>
-        <p:txBody>
-          <a:bodyPr wrap="square" rtlCol="0">
-            <a:spAutoFit/>
-          </a:bodyPr>
-          <a:lstStyle/>
-          <a:p>
-            <a:r>
-              <a:rPr lang="en-US" altLang="ko-KR" sz="3600" dirty="0" smtClean="0">
-                <a:latin typeface="HY동녘B" panose="02030600000101010101" pitchFamily="18" charset="-127"/>
-                <a:ea typeface="HY동녘B" panose="02030600000101010101" pitchFamily="18" charset="-127"/>
-              </a:rPr>
-              <a:t>6.4 DIVISION </a:t>
-            </a:r>
-            <a:r>
-              <a:rPr lang="ko-KR" altLang="en-US" sz="3600" dirty="0" smtClean="0">
-                <a:latin typeface="HY동녘B" panose="02030600000101010101" pitchFamily="18" charset="-127"/>
-                <a:ea typeface="HY동녘B" panose="02030600000101010101" pitchFamily="18" charset="-127"/>
-              </a:rPr>
-              <a:t>연산</a:t>
-            </a:r>
-            <a:endParaRPr lang="ko-KR" altLang="en-US" sz="3600" dirty="0">
-              <a:latin typeface="HY동녘B" panose="02030600000101010101" pitchFamily="18" charset="-127"/>
-              <a:ea typeface="HY동녘B" panose="02030600000101010101" pitchFamily="18" charset="-127"/>
-            </a:endParaRPr>
-          </a:p>
-        </p:txBody>
-      </p:sp>
-      <p:pic>
-        <p:nvPicPr>
-          <p:cNvPr id="4" name="그림 3"/>
-          <p:cNvPicPr>
-            <a:picLocks noChangeAspect="1"/>
-          </p:cNvPicPr>
-          <p:nvPr/>
-        </p:nvPicPr>
-        <p:blipFill>
-          <a:blip r:embed="rId2">
-            <a:extLst>
-              <a:ext uri="{28A0092B-C50C-407E-A947-70E740481C1C}">
-                <a14:useLocalDpi xmlns:a14="http://schemas.microsoft.com/office/drawing/2010/main" val="0"/>
-              </a:ext>
-            </a:extLst>
-          </a:blip>
-          <a:stretch>
-            <a:fillRect/>
-          </a:stretch>
-        </p:blipFill>
-        <p:spPr>
-          <a:xfrm>
-            <a:off x="2947178" y="1311018"/>
-            <a:ext cx="6741704" cy="4565248"/>
-          </a:xfrm>
-          <a:prstGeom prst="rect">
-            <a:avLst/>
-          </a:prstGeom>
-        </p:spPr>
-      </p:pic>
-    </p:spTree>
-    <p:extLst>
-      <p:ext uri="{BB962C8B-B14F-4D97-AF65-F5344CB8AC3E}">
-        <p14:creationId xmlns:p14="http://schemas.microsoft.com/office/powerpoint/2010/main" val="2779426899"/>
-      </p:ext>
-    </p:extLst>
-  </p:cSld>
-  <p:clrMapOvr>
-    <a:masterClrMapping/>
-  </p:clrMapOvr>
-  <p:timing>
-    <p:tnLst>
-      <p:par>
-        <p:cTn id="1" dur="indefinite" restart="never" nodeType="tmRoot"/>
-      </p:par>
-    </p:tnLst>
-  </p:timing>
-</p:sld>
-</file>
-
-<file path=ppt/slides/slide16.xml><?xml version="1.0" encoding="utf-8"?>
-<p:sld xmlns:a="http://schemas.openxmlformats.org/drawingml/2006/main" xmlns:r="http://schemas.openxmlformats.org/officeDocument/2006/relationships" xmlns:p="http://schemas.openxmlformats.org/presentationml/2006/main">
-  <p:cSld>
-    <p:spTree>
-      <p:nvGrpSpPr>
-        <p:cNvPr id="1" name=""/>
-        <p:cNvGrpSpPr/>
-        <p:nvPr/>
-      </p:nvGrpSpPr>
-      <p:grpSpPr>
-        <a:xfrm>
-          <a:off x="0" y="0"/>
-          <a:ext cx="0" cy="0"/>
-          <a:chOff x="0" y="0"/>
-          <a:chExt cx="0" cy="0"/>
-        </a:xfrm>
-      </p:grpSpPr>
-      <p:sp>
-        <p:nvSpPr>
-          <p:cNvPr id="8" name="TextBox 7"/>
-          <p:cNvSpPr txBox="1"/>
-          <p:nvPr/>
-        </p:nvSpPr>
-        <p:spPr>
-          <a:xfrm>
-            <a:off x="1509548" y="440228"/>
-            <a:ext cx="9616965" cy="646331"/>
-          </a:xfrm>
-          <a:prstGeom prst="rect">
-            <a:avLst/>
-          </a:prstGeom>
-          <a:noFill/>
-        </p:spPr>
-        <p:txBody>
-          <a:bodyPr wrap="square" rtlCol="0">
-            <a:spAutoFit/>
-          </a:bodyPr>
-          <a:lstStyle/>
-          <a:p>
-            <a:r>
-              <a:rPr lang="en-US" altLang="ko-KR" sz="3600" dirty="0" smtClean="0">
-                <a:latin typeface="HY동녘B" panose="02030600000101010101" pitchFamily="18" charset="-127"/>
-                <a:ea typeface="HY동녘B" panose="02030600000101010101" pitchFamily="18" charset="-127"/>
-              </a:rPr>
-              <a:t>6.4 DIVISION </a:t>
-            </a:r>
-            <a:r>
-              <a:rPr lang="ko-KR" altLang="en-US" sz="3600" dirty="0" smtClean="0">
-                <a:latin typeface="HY동녘B" panose="02030600000101010101" pitchFamily="18" charset="-127"/>
-                <a:ea typeface="HY동녘B" panose="02030600000101010101" pitchFamily="18" charset="-127"/>
-              </a:rPr>
-              <a:t>연산</a:t>
-            </a:r>
-            <a:endParaRPr lang="ko-KR" altLang="en-US" sz="3600" dirty="0">
-              <a:latin typeface="HY동녘B" panose="02030600000101010101" pitchFamily="18" charset="-127"/>
-              <a:ea typeface="HY동녘B" panose="02030600000101010101" pitchFamily="18" charset="-127"/>
-            </a:endParaRPr>
-          </a:p>
-        </p:txBody>
-      </p:sp>
-      <p:pic>
-        <p:nvPicPr>
-          <p:cNvPr id="5" name="그림 4"/>
-          <p:cNvPicPr>
-            <a:picLocks noChangeAspect="1"/>
-          </p:cNvPicPr>
-          <p:nvPr/>
-        </p:nvPicPr>
-        <p:blipFill>
-          <a:blip r:embed="rId2"/>
-          <a:stretch>
-            <a:fillRect/>
-          </a:stretch>
-        </p:blipFill>
-        <p:spPr>
-          <a:xfrm>
-            <a:off x="2089087" y="1295535"/>
-            <a:ext cx="8092880" cy="5017129"/>
-          </a:xfrm>
-          <a:prstGeom prst="rect">
-            <a:avLst/>
-          </a:prstGeom>
-        </p:spPr>
-      </p:pic>
-    </p:spTree>
-    <p:extLst>
-      <p:ext uri="{BB962C8B-B14F-4D97-AF65-F5344CB8AC3E}">
-        <p14:creationId xmlns:p14="http://schemas.microsoft.com/office/powerpoint/2010/main" val="335136328"/>
-      </p:ext>
-    </p:extLst>
-  </p:cSld>
-  <p:clrMapOvr>
-    <a:masterClrMapping/>
-  </p:clrMapOvr>
-  <p:timing>
-    <p:tnLst>
-      <p:par>
-        <p:cTn id="1" dur="indefinite" restart="never" nodeType="tmRoot"/>
-      </p:par>
-    </p:tnLst>
-  </p:timing>
-</p:sld>
-</file>
-
-<file path=ppt/slides/slide17.xml><?xml version="1.0" encoding="utf-8"?>
-<p:sld xmlns:a="http://schemas.openxmlformats.org/drawingml/2006/main" xmlns:r="http://schemas.openxmlformats.org/officeDocument/2006/relationships" xmlns:p="http://schemas.openxmlformats.org/presentationml/2006/main">
-  <p:cSld>
-    <p:spTree>
-      <p:nvGrpSpPr>
-        <p:cNvPr id="1" name=""/>
-        <p:cNvGrpSpPr/>
-        <p:nvPr/>
-      </p:nvGrpSpPr>
-      <p:grpSpPr>
-        <a:xfrm>
-          <a:off x="0" y="0"/>
-          <a:ext cx="0" cy="0"/>
-          <a:chOff x="0" y="0"/>
-          <a:chExt cx="0" cy="0"/>
-        </a:xfrm>
-      </p:grpSpPr>
-      <p:sp>
-        <p:nvSpPr>
-          <p:cNvPr id="3" name="TextBox 2"/>
-          <p:cNvSpPr txBox="1"/>
-          <p:nvPr/>
-        </p:nvSpPr>
-        <p:spPr>
-          <a:xfrm>
-            <a:off x="1509548" y="1200239"/>
-            <a:ext cx="9136118" cy="4154984"/>
-          </a:xfrm>
-          <a:prstGeom prst="rect">
-            <a:avLst/>
-          </a:prstGeom>
-          <a:noFill/>
-        </p:spPr>
-        <p:txBody>
-          <a:bodyPr wrap="square" rtlCol="0">
-            <a:spAutoFit/>
-          </a:bodyPr>
-          <a:lstStyle/>
-          <a:p>
-            <a:pPr marL="285750" indent="-285750">
-              <a:lnSpc>
-                <a:spcPct val="250000"/>
-              </a:lnSpc>
-              <a:buFontTx/>
-              <a:buChar char="-"/>
-            </a:pPr>
-            <a:r>
-              <a:rPr lang="ko-KR" altLang="en-US" sz="2400" dirty="0" smtClean="0">
-                <a:latin typeface="HY수평선M" panose="02030600000101010101" pitchFamily="18" charset="-127"/>
-                <a:ea typeface="HY수평선M" panose="02030600000101010101" pitchFamily="18" charset="-127"/>
-              </a:rPr>
-              <a:t>합집합 연산</a:t>
-            </a:r>
-            <a:r>
-              <a:rPr lang="en-US" altLang="ko-KR" sz="2400" dirty="0" smtClean="0">
-                <a:latin typeface="HY수평선M" panose="02030600000101010101" pitchFamily="18" charset="-127"/>
-                <a:ea typeface="HY수평선M" panose="02030600000101010101" pitchFamily="18" charset="-127"/>
-              </a:rPr>
-              <a:t>(</a:t>
-            </a:r>
-            <a:r>
-              <a:rPr lang="ko-KR" altLang="en-US" sz="2400" dirty="0" smtClean="0">
-                <a:latin typeface="HY수평선M" panose="02030600000101010101" pitchFamily="18" charset="-127"/>
-                <a:ea typeface="HY수평선M" panose="02030600000101010101" pitchFamily="18" charset="-127"/>
-              </a:rPr>
-              <a:t>∪</a:t>
-            </a:r>
-            <a:r>
-              <a:rPr lang="en-US" altLang="ko-KR" sz="2400" dirty="0" smtClean="0">
-                <a:latin typeface="HY수평선M" panose="02030600000101010101" pitchFamily="18" charset="-127"/>
-                <a:ea typeface="HY수평선M" panose="02030600000101010101" pitchFamily="18" charset="-127"/>
-              </a:rPr>
-              <a:t>) </a:t>
-            </a:r>
-          </a:p>
-          <a:p>
-            <a:pPr marL="285750" indent="-285750">
-              <a:lnSpc>
-                <a:spcPct val="250000"/>
-              </a:lnSpc>
-              <a:buFontTx/>
-              <a:buChar char="-"/>
-            </a:pPr>
-            <a:r>
-              <a:rPr lang="ko-KR" altLang="en-US" sz="2400" dirty="0" smtClean="0">
-                <a:latin typeface="HY수평선M" panose="02030600000101010101" pitchFamily="18" charset="-127"/>
-                <a:ea typeface="HY수평선M" panose="02030600000101010101" pitchFamily="18" charset="-127"/>
-              </a:rPr>
-              <a:t>교집합 연산</a:t>
-            </a:r>
-            <a:r>
-              <a:rPr lang="en-US" altLang="ko-KR" sz="2400" dirty="0" smtClean="0">
-                <a:latin typeface="HY수평선M" panose="02030600000101010101" pitchFamily="18" charset="-127"/>
-                <a:ea typeface="HY수평선M" panose="02030600000101010101" pitchFamily="18" charset="-127"/>
-              </a:rPr>
-              <a:t>(</a:t>
-            </a:r>
-            <a:r>
-              <a:rPr lang="ko-KR" altLang="en-US" sz="2400" dirty="0" smtClean="0">
-                <a:latin typeface="HY수평선M" panose="02030600000101010101" pitchFamily="18" charset="-127"/>
-                <a:ea typeface="HY수평선M" panose="02030600000101010101" pitchFamily="18" charset="-127"/>
-              </a:rPr>
-              <a:t>∩</a:t>
-            </a:r>
-            <a:r>
-              <a:rPr lang="en-US" altLang="ko-KR" sz="2400" dirty="0">
-                <a:latin typeface="HY수평선M" panose="02030600000101010101" pitchFamily="18" charset="-127"/>
-                <a:ea typeface="HY수평선M" panose="02030600000101010101" pitchFamily="18" charset="-127"/>
-              </a:rPr>
-              <a:t>)</a:t>
-            </a:r>
-            <a:endParaRPr lang="en-US" altLang="ko-KR" sz="2400" dirty="0" smtClean="0">
-              <a:latin typeface="HY수평선M" panose="02030600000101010101" pitchFamily="18" charset="-127"/>
-              <a:ea typeface="HY수평선M" panose="02030600000101010101" pitchFamily="18" charset="-127"/>
-            </a:endParaRPr>
-          </a:p>
-          <a:p>
-            <a:pPr marL="285750" indent="-285750">
-              <a:lnSpc>
-                <a:spcPct val="250000"/>
-              </a:lnSpc>
-              <a:buFontTx/>
-              <a:buChar char="-"/>
-            </a:pPr>
-            <a:r>
-              <a:rPr lang="ko-KR" altLang="en-US" sz="2400" dirty="0" err="1" smtClean="0">
-                <a:latin typeface="HY수평선M" panose="02030600000101010101" pitchFamily="18" charset="-127"/>
-                <a:ea typeface="HY수평선M" panose="02030600000101010101" pitchFamily="18" charset="-127"/>
-              </a:rPr>
-              <a:t>차집합</a:t>
-            </a:r>
-            <a:r>
-              <a:rPr lang="ko-KR" altLang="en-US" sz="2400" dirty="0" smtClean="0">
-                <a:latin typeface="HY수평선M" panose="02030600000101010101" pitchFamily="18" charset="-127"/>
-                <a:ea typeface="HY수평선M" panose="02030600000101010101" pitchFamily="18" charset="-127"/>
-              </a:rPr>
-              <a:t> 연산</a:t>
-            </a:r>
-            <a:r>
-              <a:rPr lang="en-US" altLang="ko-KR" sz="2400" dirty="0" smtClean="0">
-                <a:latin typeface="HY수평선M" panose="02030600000101010101" pitchFamily="18" charset="-127"/>
-                <a:ea typeface="HY수평선M" panose="02030600000101010101" pitchFamily="18" charset="-127"/>
-              </a:rPr>
-              <a:t>(-)</a:t>
-            </a:r>
-          </a:p>
-          <a:p>
-            <a:pPr marL="285750" indent="-285750">
-              <a:lnSpc>
-                <a:spcPct val="250000"/>
-              </a:lnSpc>
-              <a:buFontTx/>
-              <a:buChar char="-"/>
-            </a:pPr>
-            <a:r>
-              <a:rPr lang="ko-KR" altLang="en-US" sz="2400" dirty="0" err="1" smtClean="0">
-                <a:latin typeface="HY수평선M" panose="02030600000101010101" pitchFamily="18" charset="-127"/>
-                <a:ea typeface="HY수평선M" panose="02030600000101010101" pitchFamily="18" charset="-127"/>
-              </a:rPr>
-              <a:t>카티션</a:t>
-            </a:r>
-            <a:r>
-              <a:rPr lang="ko-KR" altLang="en-US" sz="2400" dirty="0" smtClean="0">
-                <a:latin typeface="HY수평선M" panose="02030600000101010101" pitchFamily="18" charset="-127"/>
-                <a:ea typeface="HY수평선M" panose="02030600000101010101" pitchFamily="18" charset="-127"/>
-              </a:rPr>
-              <a:t> 곱</a:t>
-            </a:r>
-            <a:r>
-              <a:rPr lang="en-US" altLang="ko-KR" sz="2400" dirty="0" smtClean="0">
-                <a:latin typeface="HY수평선M" panose="02030600000101010101" pitchFamily="18" charset="-127"/>
-                <a:ea typeface="HY수평선M" panose="02030600000101010101" pitchFamily="18" charset="-127"/>
-              </a:rPr>
-              <a:t>(Product)(</a:t>
-            </a:r>
-            <a:r>
-              <a:rPr lang="el-GR" altLang="ko-KR" sz="2400" dirty="0" smtClean="0">
-                <a:latin typeface="HY수평선M" panose="02030600000101010101" pitchFamily="18" charset="-127"/>
-                <a:ea typeface="HY수평선M" panose="02030600000101010101" pitchFamily="18" charset="-127"/>
-              </a:rPr>
-              <a:t>Χ</a:t>
-            </a:r>
-            <a:r>
-              <a:rPr lang="en-US" altLang="ko-KR" sz="2400" dirty="0" smtClean="0">
-                <a:latin typeface="HY수평선M" panose="02030600000101010101" pitchFamily="18" charset="-127"/>
-                <a:ea typeface="HY수평선M" panose="02030600000101010101" pitchFamily="18" charset="-127"/>
-              </a:rPr>
-              <a:t>)</a:t>
-            </a:r>
-          </a:p>
-          <a:p>
-            <a:pPr marL="285750" indent="-285750">
-              <a:buFontTx/>
-              <a:buChar char="-"/>
-            </a:pPr>
-            <a:endParaRPr lang="ko-KR" altLang="en-US" sz="2400" dirty="0">
-              <a:latin typeface="HY수평선M" panose="02030600000101010101" pitchFamily="18" charset="-127"/>
-              <a:ea typeface="HY수평선M" panose="02030600000101010101" pitchFamily="18" charset="-127"/>
-            </a:endParaRPr>
-          </a:p>
-        </p:txBody>
-      </p:sp>
-      <p:sp>
-        <p:nvSpPr>
-          <p:cNvPr id="8" name="TextBox 7"/>
-          <p:cNvSpPr txBox="1"/>
-          <p:nvPr/>
-        </p:nvSpPr>
-        <p:spPr>
-          <a:xfrm>
-            <a:off x="1509548" y="440228"/>
-            <a:ext cx="9616965" cy="646331"/>
-          </a:xfrm>
-          <a:prstGeom prst="rect">
-            <a:avLst/>
-          </a:prstGeom>
-          <a:noFill/>
-        </p:spPr>
-        <p:txBody>
-          <a:bodyPr wrap="square" rtlCol="0">
-            <a:spAutoFit/>
-          </a:bodyPr>
-          <a:lstStyle/>
-          <a:p>
-            <a:r>
-              <a:rPr lang="en-US" altLang="ko-KR" sz="3600" dirty="0" smtClean="0">
-                <a:latin typeface="HY동녘B" panose="02030600000101010101" pitchFamily="18" charset="-127"/>
-                <a:ea typeface="HY동녘B" panose="02030600000101010101" pitchFamily="18" charset="-127"/>
-              </a:rPr>
-              <a:t>6.4 </a:t>
-            </a:r>
-            <a:r>
-              <a:rPr lang="ko-KR" altLang="en-US" sz="3600" dirty="0" smtClean="0">
-                <a:latin typeface="HY동녘B" panose="02030600000101010101" pitchFamily="18" charset="-127"/>
-                <a:ea typeface="HY동녘B" panose="02030600000101010101" pitchFamily="18" charset="-127"/>
-              </a:rPr>
-              <a:t>기타 연산</a:t>
-            </a:r>
-            <a:endParaRPr lang="ko-KR" altLang="en-US" sz="3600" dirty="0">
-              <a:latin typeface="HY동녘B" panose="02030600000101010101" pitchFamily="18" charset="-127"/>
-              <a:ea typeface="HY동녘B" panose="02030600000101010101" pitchFamily="18" charset="-127"/>
-            </a:endParaRPr>
-          </a:p>
-        </p:txBody>
-      </p:sp>
-    </p:spTree>
-    <p:extLst>
-      <p:ext uri="{BB962C8B-B14F-4D97-AF65-F5344CB8AC3E}">
-        <p14:creationId xmlns:p14="http://schemas.microsoft.com/office/powerpoint/2010/main" val="2718942976"/>
       </p:ext>
     </p:extLst>
   </p:cSld>
@@ -6742,14 +7320,14 @@
                 <a:latin typeface="HY동녘B" panose="02030600000101010101" pitchFamily="18" charset="-127"/>
                 <a:ea typeface="HY동녘B" panose="02030600000101010101" pitchFamily="18" charset="-127"/>
               </a:rPr>
-              <a:t>6.4 </a:t>
+              <a:t>6.4 DIVISION </a:t>
             </a:r>
             <a:r>
               <a:rPr lang="ko-KR" altLang="en-US" sz="3600" dirty="0" smtClean="0">
                 <a:latin typeface="HY동녘B" panose="02030600000101010101" pitchFamily="18" charset="-127"/>
                 <a:ea typeface="HY동녘B" panose="02030600000101010101" pitchFamily="18" charset="-127"/>
               </a:rPr>
-              <a:t>기타 연산</a:t>
+              <a:t>연산</a:t>
             </a:r>
             <a:endParaRPr lang="ko-KR" altLang="en-US" sz="3600" dirty="0">
               <a:latin typeface="HY동녘B" panose="02030600000101010101" pitchFamily="18" charset="-127"/>
@@ -6760,7 +7338,7 @@
       </p:sp>
       <p:pic>
         <p:nvPicPr>
-          <p:cNvPr id="2" name="그림 1"/>
+          <p:cNvPr id="4" name="그림 3"/>
           <p:cNvPicPr>
             <a:picLocks noChangeAspect="1"/>
           </p:cNvPicPr>
@@ -6780,8 +7358,8 @@
         </p:blipFill>
         <p:spPr>
           <a:xfrm>
-            <a:off x="1278888" y="1569262"/>
-            <a:ext cx="9709970" cy="3274586"/>
+            <a:off x="2947178" y="1311018"/>
+            <a:ext cx="6741704" cy="4565248"/>
           </a:xfrm>
           <a:prstGeom prst="rect">
             <a:avLst/>
@@ -6791,7 +7369,7 @@
     </p:spTree>
     <p:extLst>
       <p:ext uri="{BB962C8B-B14F-4D97-AF65-F5344CB8AC3E}">
-        <p14:creationId xmlns:p14="http://schemas.microsoft.com/office/powerpoint/2010/main" val="1563828047"/>
+        <p14:creationId xmlns:p14="http://schemas.microsoft.com/office/powerpoint/2010/main" val="2779426899"/>
       </p:ext>
     </p:extLst>
   </p:cSld>
@@ -6827,437 +7405,7 @@
       </p:grpSpPr>
       <p:sp>
         <p:nvSpPr>
-          <p:cNvPr id="3" name="내용 개체 틀 2"/>
-          <p:cNvSpPr>
-            <a:spLocks noGrp="1"/>
-          </p:cNvSpPr>
-          <p:nvPr>
-            <p:ph idx="1"/>
-          </p:nvPr>
-        </p:nvSpPr>
-        <p:spPr>
-          <a:xfrm>
-            <a:off x="838200" y="1267968"/>
-            <a:ext cx="10515600" cy="4908995"/>
-          </a:xfrm>
-        </p:spPr>
-        <p:txBody>
-          <a:bodyPr>
-            <a:normAutofit/>
-          </a:bodyPr>
-          <a:lstStyle/>
-          <a:p>
-            <a:pPr marL="0" indent="0">
-              <a:lnSpc>
-                <a:spcPct val="150000"/>
-              </a:lnSpc>
-              <a:buNone/>
-            </a:pPr>
-            <a:r>
-              <a:rPr lang="en-US" altLang="ko-KR" sz="2400" dirty="0" smtClean="0">
-                <a:latin typeface="HY수평선M" panose="02030600000101010101" pitchFamily="18" charset="-127"/>
-                <a:ea typeface="HY수평선M" panose="02030600000101010101" pitchFamily="18" charset="-127"/>
-              </a:rPr>
-              <a:t>- </a:t>
-            </a:r>
-            <a:r>
-              <a:rPr lang="ko-KR" altLang="en-US" sz="2400" dirty="0" err="1">
-                <a:latin typeface="HY수평선M" panose="02030600000101010101" pitchFamily="18" charset="-127"/>
-                <a:ea typeface="HY수평선M" panose="02030600000101010101" pitchFamily="18" charset="-127"/>
-              </a:rPr>
-              <a:t>카티션</a:t>
-            </a:r>
-            <a:r>
-              <a:rPr lang="ko-KR" altLang="en-US" sz="2400" dirty="0">
-                <a:latin typeface="HY수평선M" panose="02030600000101010101" pitchFamily="18" charset="-127"/>
-                <a:ea typeface="HY수평선M" panose="02030600000101010101" pitchFamily="18" charset="-127"/>
-              </a:rPr>
-              <a:t> </a:t>
-            </a:r>
-            <a:r>
-              <a:rPr lang="ko-KR" altLang="en-US" sz="2400" dirty="0" err="1">
-                <a:latin typeface="HY수평선M" panose="02030600000101010101" pitchFamily="18" charset="-127"/>
-                <a:ea typeface="HY수평선M" panose="02030600000101010101" pitchFamily="18" charset="-127"/>
-              </a:rPr>
-              <a:t>프로덕트</a:t>
-            </a:r>
-            <a:r>
-              <a:rPr lang="ko-KR" altLang="en-US" sz="2400" dirty="0">
-                <a:latin typeface="HY수평선M" panose="02030600000101010101" pitchFamily="18" charset="-127"/>
-                <a:ea typeface="HY수평선M" panose="02030600000101010101" pitchFamily="18" charset="-127"/>
-              </a:rPr>
-              <a:t> </a:t>
-            </a:r>
-            <a:r>
-              <a:rPr lang="en-US" altLang="ko-KR" sz="2400" dirty="0">
-                <a:latin typeface="HY수평선M" panose="02030600000101010101" pitchFamily="18" charset="-127"/>
-                <a:ea typeface="HY수평선M" panose="02030600000101010101" pitchFamily="18" charset="-127"/>
-              </a:rPr>
-              <a:t>(×)</a:t>
-            </a:r>
-          </a:p>
-          <a:p>
-            <a:pPr lvl="1">
-              <a:lnSpc>
-                <a:spcPct val="150000"/>
-              </a:lnSpc>
-            </a:pPr>
-            <a:r>
-              <a:rPr lang="en-US" altLang="ko-KR" sz="2000" dirty="0" smtClean="0"/>
-              <a:t>R ×</a:t>
-            </a:r>
-            <a:r>
-              <a:rPr lang="ko-KR" altLang="en-US" sz="2000" dirty="0" smtClean="0"/>
-              <a:t> </a:t>
-            </a:r>
-            <a:r>
-              <a:rPr lang="en-US" altLang="ko-KR" sz="2000" dirty="0" smtClean="0"/>
-              <a:t>S</a:t>
-            </a:r>
-          </a:p>
-          <a:p>
-            <a:pPr lvl="1">
-              <a:lnSpc>
-                <a:spcPct val="150000"/>
-              </a:lnSpc>
-            </a:pPr>
-            <a:r>
-              <a:rPr lang="ko-KR" altLang="en-US" sz="2000" b="1" dirty="0" err="1" smtClean="0">
-                <a:solidFill>
-                  <a:srgbClr val="FF0000"/>
-                </a:solidFill>
-              </a:rPr>
-              <a:t>릴레이션</a:t>
-            </a:r>
-            <a:r>
-              <a:rPr lang="ko-KR" altLang="en-US" sz="2000" b="1" dirty="0" smtClean="0">
-                <a:solidFill>
-                  <a:srgbClr val="FF0000"/>
-                </a:solidFill>
-              </a:rPr>
-              <a:t> </a:t>
-            </a:r>
-            <a:r>
-              <a:rPr lang="en-US" altLang="ko-KR" sz="2000" b="1" dirty="0" smtClean="0">
-                <a:solidFill>
-                  <a:srgbClr val="FF0000"/>
-                </a:solidFill>
-              </a:rPr>
-              <a:t>R</a:t>
-            </a:r>
-            <a:r>
-              <a:rPr lang="ko-KR" altLang="en-US" sz="2000" b="1" dirty="0" smtClean="0">
-                <a:solidFill>
-                  <a:srgbClr val="FF0000"/>
-                </a:solidFill>
-              </a:rPr>
-              <a:t>과 </a:t>
-            </a:r>
-            <a:r>
-              <a:rPr lang="en-US" altLang="ko-KR" sz="2000" b="1" dirty="0" smtClean="0">
-                <a:solidFill>
-                  <a:srgbClr val="FF0000"/>
-                </a:solidFill>
-              </a:rPr>
-              <a:t>S</a:t>
-            </a:r>
-            <a:r>
-              <a:rPr lang="ko-KR" altLang="en-US" sz="2000" b="1" dirty="0" smtClean="0">
-                <a:solidFill>
-                  <a:srgbClr val="FF0000"/>
-                </a:solidFill>
-              </a:rPr>
-              <a:t>에 속한 각 행</a:t>
-            </a:r>
-            <a:r>
-              <a:rPr lang="en-US" altLang="ko-KR" sz="2000" b="1" dirty="0" smtClean="0">
-                <a:solidFill>
-                  <a:srgbClr val="FF0000"/>
-                </a:solidFill>
-              </a:rPr>
-              <a:t>(</a:t>
-            </a:r>
-            <a:r>
-              <a:rPr lang="ko-KR" altLang="en-US" sz="2000" b="1" dirty="0" err="1" smtClean="0">
-                <a:solidFill>
-                  <a:srgbClr val="FF0000"/>
-                </a:solidFill>
-              </a:rPr>
-              <a:t>투플</a:t>
-            </a:r>
-            <a:r>
-              <a:rPr lang="en-US" altLang="ko-KR" sz="2000" b="1" dirty="0" smtClean="0">
-                <a:solidFill>
-                  <a:srgbClr val="FF0000"/>
-                </a:solidFill>
-              </a:rPr>
-              <a:t>)</a:t>
-            </a:r>
-            <a:r>
-              <a:rPr lang="ko-KR" altLang="en-US" sz="2000" b="1" dirty="0" smtClean="0">
-                <a:solidFill>
-                  <a:srgbClr val="FF0000"/>
-                </a:solidFill>
-              </a:rPr>
-              <a:t>을 모두 연결하여 만들어진 새로운 행을 이용</a:t>
-            </a:r>
-            <a:r>
-              <a:rPr lang="ko-KR" altLang="en-US" sz="2000" dirty="0" smtClean="0"/>
-              <a:t>하여 결과 </a:t>
-            </a:r>
-            <a:r>
-              <a:rPr lang="ko-KR" altLang="en-US" sz="2000" dirty="0" err="1" smtClean="0"/>
-              <a:t>릴레이션을</a:t>
-            </a:r>
-            <a:r>
-              <a:rPr lang="ko-KR" altLang="en-US" sz="2000" dirty="0" smtClean="0"/>
-              <a:t> 구성</a:t>
-            </a:r>
-            <a:endParaRPr lang="en-US" altLang="ko-KR" sz="2000" dirty="0" smtClean="0"/>
-          </a:p>
-          <a:p>
-            <a:pPr lvl="1">
-              <a:lnSpc>
-                <a:spcPct val="150000"/>
-              </a:lnSpc>
-            </a:pPr>
-            <a:r>
-              <a:rPr lang="ko-KR" altLang="en-US" sz="2000" dirty="0" smtClean="0"/>
-              <a:t>차수는 </a:t>
-            </a:r>
-            <a:r>
-              <a:rPr lang="ko-KR" altLang="en-US" sz="2000" b="1" dirty="0" err="1" smtClean="0"/>
-              <a:t>릴레이션</a:t>
-            </a:r>
-            <a:r>
-              <a:rPr lang="ko-KR" altLang="en-US" sz="2000" b="1" dirty="0" smtClean="0"/>
-              <a:t> </a:t>
-            </a:r>
-            <a:r>
-              <a:rPr lang="en-US" altLang="ko-KR" sz="2000" b="1" dirty="0" smtClean="0"/>
-              <a:t>R</a:t>
-            </a:r>
-            <a:r>
-              <a:rPr lang="ko-KR" altLang="en-US" sz="2000" b="1" dirty="0" smtClean="0"/>
-              <a:t>과 </a:t>
-            </a:r>
-            <a:r>
-              <a:rPr lang="ko-KR" altLang="en-US" sz="2000" b="1" dirty="0" err="1" smtClean="0"/>
-              <a:t>릴레이션</a:t>
-            </a:r>
-            <a:r>
-              <a:rPr lang="ko-KR" altLang="en-US" sz="2000" b="1" dirty="0" smtClean="0"/>
-              <a:t> </a:t>
-            </a:r>
-            <a:r>
-              <a:rPr lang="en-US" altLang="ko-KR" sz="2000" b="1" dirty="0" smtClean="0"/>
-              <a:t>S</a:t>
-            </a:r>
-            <a:r>
-              <a:rPr lang="ko-KR" altLang="en-US" sz="2000" b="1" dirty="0" smtClean="0"/>
-              <a:t>의 차수를 더한 것</a:t>
-            </a:r>
-            <a:r>
-              <a:rPr lang="ko-KR" altLang="en-US" sz="2000" dirty="0" smtClean="0"/>
-              <a:t>과 같음</a:t>
-            </a:r>
-            <a:endParaRPr lang="en-US" altLang="ko-KR" sz="2000" dirty="0" smtClean="0"/>
-          </a:p>
-          <a:p>
-            <a:pPr lvl="1">
-              <a:lnSpc>
-                <a:spcPct val="150000"/>
-              </a:lnSpc>
-            </a:pPr>
-            <a:r>
-              <a:rPr lang="ko-KR" altLang="en-US" sz="2000" dirty="0" err="1" smtClean="0"/>
-              <a:t>카디널리티는</a:t>
-            </a:r>
-            <a:r>
-              <a:rPr lang="ko-KR" altLang="en-US" sz="2000" dirty="0" smtClean="0"/>
-              <a:t> </a:t>
-            </a:r>
-            <a:r>
-              <a:rPr lang="ko-KR" altLang="en-US" sz="2000" b="1" dirty="0" err="1" smtClean="0"/>
-              <a:t>릴레이션</a:t>
-            </a:r>
-            <a:r>
-              <a:rPr lang="ko-KR" altLang="en-US" sz="2000" b="1" dirty="0" smtClean="0"/>
-              <a:t> </a:t>
-            </a:r>
-            <a:r>
-              <a:rPr lang="en-US" altLang="ko-KR" sz="2000" b="1" dirty="0" smtClean="0"/>
-              <a:t>R</a:t>
-            </a:r>
-            <a:r>
-              <a:rPr lang="ko-KR" altLang="en-US" sz="2000" b="1" dirty="0" smtClean="0"/>
-              <a:t>과 </a:t>
-            </a:r>
-            <a:r>
-              <a:rPr lang="ko-KR" altLang="en-US" sz="2000" b="1" dirty="0" err="1" smtClean="0"/>
-              <a:t>릴레이션</a:t>
-            </a:r>
-            <a:r>
-              <a:rPr lang="ko-KR" altLang="en-US" sz="2000" b="1" dirty="0" smtClean="0"/>
-              <a:t> </a:t>
-            </a:r>
-            <a:r>
-              <a:rPr lang="en-US" altLang="ko-KR" sz="2000" b="1" dirty="0" smtClean="0"/>
-              <a:t>S</a:t>
-            </a:r>
-            <a:r>
-              <a:rPr lang="ko-KR" altLang="en-US" sz="2000" b="1" dirty="0" smtClean="0"/>
-              <a:t>의 </a:t>
-            </a:r>
-            <a:r>
-              <a:rPr lang="ko-KR" altLang="en-US" sz="2000" b="1" dirty="0" err="1" smtClean="0"/>
-              <a:t>카디널리티를</a:t>
-            </a:r>
-            <a:r>
-              <a:rPr lang="ko-KR" altLang="en-US" sz="2000" b="1" dirty="0" smtClean="0"/>
-              <a:t> 곱한 값</a:t>
-            </a:r>
-            <a:r>
-              <a:rPr lang="ko-KR" altLang="en-US" sz="2000" dirty="0" smtClean="0"/>
-              <a:t>과 같음</a:t>
-            </a:r>
-            <a:endParaRPr lang="en-US" altLang="ko-KR" sz="2000" dirty="0" smtClean="0"/>
-          </a:p>
-          <a:p>
-            <a:pPr lvl="1">
-              <a:lnSpc>
-                <a:spcPct val="150000"/>
-              </a:lnSpc>
-            </a:pPr>
-            <a:r>
-              <a:rPr lang="ko-KR" altLang="en-US" sz="2000" dirty="0" smtClean="0"/>
-              <a:t>합집합</a:t>
-            </a:r>
-            <a:r>
-              <a:rPr lang="en-US" altLang="ko-KR" sz="2000" dirty="0" smtClean="0"/>
-              <a:t>, </a:t>
-            </a:r>
-            <a:r>
-              <a:rPr lang="ko-KR" altLang="en-US" sz="2000" dirty="0" smtClean="0"/>
-              <a:t>교집합</a:t>
-            </a:r>
-            <a:r>
-              <a:rPr lang="en-US" altLang="ko-KR" sz="2000" dirty="0" smtClean="0"/>
-              <a:t>, </a:t>
-            </a:r>
-            <a:r>
-              <a:rPr lang="ko-KR" altLang="en-US" sz="2000" dirty="0" err="1" smtClean="0"/>
-              <a:t>차집합</a:t>
-            </a:r>
-            <a:r>
-              <a:rPr lang="ko-KR" altLang="en-US" sz="2000" dirty="0" smtClean="0"/>
-              <a:t> 연산자들은 </a:t>
-            </a:r>
-            <a:r>
-              <a:rPr lang="ko-KR" altLang="en-US" sz="2000" b="1" dirty="0" smtClean="0"/>
-              <a:t>수직적 연산</a:t>
-            </a:r>
-            <a:r>
-              <a:rPr lang="ko-KR" altLang="en-US" sz="2000" dirty="0" smtClean="0"/>
-              <a:t>이라고 볼 수 있으며 </a:t>
-            </a:r>
-            <a:r>
-              <a:rPr lang="ko-KR" altLang="en-US" sz="2000" dirty="0" err="1" smtClean="0"/>
-              <a:t>카티션</a:t>
-            </a:r>
-            <a:r>
-              <a:rPr lang="ko-KR" altLang="en-US" sz="2000" dirty="0" smtClean="0"/>
-              <a:t> </a:t>
-            </a:r>
-            <a:r>
-              <a:rPr lang="ko-KR" altLang="en-US" sz="2000" dirty="0" err="1" smtClean="0"/>
-              <a:t>프로덕트는</a:t>
-            </a:r>
-            <a:r>
-              <a:rPr lang="ko-KR" altLang="en-US" sz="2000" dirty="0" smtClean="0"/>
-              <a:t> </a:t>
-            </a:r>
-            <a:r>
-              <a:rPr lang="ko-KR" altLang="en-US" sz="2000" b="1" dirty="0" smtClean="0"/>
-              <a:t>수평으로 결합</a:t>
-            </a:r>
-            <a:r>
-              <a:rPr lang="ko-KR" altLang="en-US" sz="2000" dirty="0" smtClean="0"/>
-              <a:t>하므로 </a:t>
-            </a:r>
-            <a:r>
-              <a:rPr lang="ko-KR" altLang="en-US" sz="2000" b="1" dirty="0" smtClean="0"/>
-              <a:t>수평적 연산</a:t>
-            </a:r>
-            <a:r>
-              <a:rPr lang="ko-KR" altLang="en-US" sz="2000" dirty="0" smtClean="0"/>
-              <a:t>이라 볼 수 있음</a:t>
-            </a:r>
-            <a:endParaRPr lang="en-US" altLang="ko-KR" sz="2000" dirty="0" smtClean="0"/>
-          </a:p>
-          <a:p>
-            <a:pPr lvl="1">
-              <a:lnSpc>
-                <a:spcPct val="150000"/>
-              </a:lnSpc>
-            </a:pPr>
-            <a:r>
-              <a:rPr lang="ko-KR" altLang="en-US" sz="2000" dirty="0" smtClean="0"/>
-              <a:t>교환적 특징</a:t>
-            </a:r>
-            <a:r>
-              <a:rPr lang="en-US" altLang="ko-KR" sz="2000" dirty="0" smtClean="0"/>
-              <a:t>, </a:t>
-            </a:r>
-            <a:r>
-              <a:rPr lang="ko-KR" altLang="en-US" sz="2000" dirty="0" smtClean="0"/>
-              <a:t>결합적 특징을 가짐</a:t>
-            </a:r>
-            <a:endParaRPr lang="en-US" altLang="ko-KR" sz="2000" dirty="0" smtClean="0"/>
-          </a:p>
-          <a:p>
-            <a:pPr lvl="1">
-              <a:lnSpc>
-                <a:spcPct val="150000"/>
-              </a:lnSpc>
-            </a:pPr>
-            <a:endParaRPr lang="en-US" altLang="ko-KR" sz="2000" dirty="0" smtClean="0"/>
-          </a:p>
-        </p:txBody>
-      </p:sp>
-      <p:pic>
-        <p:nvPicPr>
-          <p:cNvPr id="4" name="그림 3"/>
-          <p:cNvPicPr>
-            <a:picLocks noChangeAspect="1"/>
-          </p:cNvPicPr>
-          <p:nvPr/>
-        </p:nvPicPr>
-        <p:blipFill>
-          <a:blip r:embed="rId2">
-            <a:extLst>
-              <a:ext uri="{28A0092B-C50C-407E-A947-70E740481C1C}">
-                <a14:useLocalDpi xmlns:a14="http://schemas.microsoft.com/office/drawing/2010/main" val="0"/>
-              </a:ext>
-            </a:extLst>
-          </a:blip>
-          <a:stretch>
-            <a:fillRect/>
-          </a:stretch>
-        </p:blipFill>
-        <p:spPr>
-          <a:xfrm>
-            <a:off x="8041802" y="94691"/>
-            <a:ext cx="2259403" cy="2376659"/>
-          </a:xfrm>
-          <a:prstGeom prst="rect">
-            <a:avLst/>
-          </a:prstGeom>
-        </p:spPr>
-      </p:pic>
-      <p:sp>
-        <p:nvSpPr>
-          <p:cNvPr id="6" name="TextBox 5"/>
+          <p:cNvPr id="8" name="TextBox 7"/>
           <p:cNvSpPr txBox="1"/>
           <p:nvPr/>
         </p:nvSpPr>
@@ -7282,14 +7430,14 @@
                 <a:latin typeface="HY동녘B" panose="02030600000101010101" pitchFamily="18" charset="-127"/>
                 <a:ea typeface="HY동녘B" panose="02030600000101010101" pitchFamily="18" charset="-127"/>
               </a:rPr>
-              <a:t>6.4 </a:t>
+              <a:t>6.4 DIVISION </a:t>
             </a:r>
             <a:r>
               <a:rPr lang="ko-KR" altLang="en-US" sz="3600" dirty="0" smtClean="0">
                 <a:latin typeface="HY동녘B" panose="02030600000101010101" pitchFamily="18" charset="-127"/>
                 <a:ea typeface="HY동녘B" panose="02030600000101010101" pitchFamily="18" charset="-127"/>
               </a:rPr>
-              <a:t>기타 연산</a:t>
+              <a:t>연산</a:t>
             </a:r>
             <a:endParaRPr lang="ko-KR" altLang="en-US" sz="3600" dirty="0">
               <a:latin typeface="HY동녘B" panose="02030600000101010101" pitchFamily="18" charset="-127"/>
@@ -7298,10 +7446,34 @@
           </a:p>
         </p:txBody>
       </p:sp>
+      <p:pic>
+        <p:nvPicPr>
+          <p:cNvPr id="5" name="그림 4"/>
+          <p:cNvPicPr>
+            <a:picLocks noChangeAspect="1"/>
+          </p:cNvPicPr>
+          <p:nvPr/>
+        </p:nvPicPr>
+        <p:blipFill>
+          <a:blip r:embed="rId2"/>
+          <a:stretch>
+            <a:fillRect/>
+          </a:stretch>
+        </p:blipFill>
+        <p:spPr>
+          <a:xfrm>
+            <a:off x="2089087" y="1295535"/>
+            <a:ext cx="8092880" cy="5017129"/>
+          </a:xfrm>
+          <a:prstGeom prst="rect">
+            <a:avLst/>
+          </a:prstGeom>
+        </p:spPr>
+      </p:pic>
     </p:spTree>
     <p:extLst>
       <p:ext uri="{BB962C8B-B14F-4D97-AF65-F5344CB8AC3E}">
-        <p14:creationId xmlns:p14="http://schemas.microsoft.com/office/powerpoint/2010/main" val="1163435315"/>
+        <p14:creationId xmlns:p14="http://schemas.microsoft.com/office/powerpoint/2010/main" val="335136328"/>
       </p:ext>
     </p:extLst>
   </p:cSld>
@@ -7578,6 +7750,1213 @@
 </file>
 
 <file path=ppt/slides/slide20.xml><?xml version="1.0" encoding="utf-8"?>
+<p:sld xmlns:a="http://schemas.openxmlformats.org/drawingml/2006/main" xmlns:r="http://schemas.openxmlformats.org/officeDocument/2006/relationships" xmlns:p="http://schemas.openxmlformats.org/presentationml/2006/main">
+  <p:cSld>
+    <p:spTree>
+      <p:nvGrpSpPr>
+        <p:cNvPr id="1" name=""/>
+        <p:cNvGrpSpPr/>
+        <p:nvPr/>
+      </p:nvGrpSpPr>
+      <p:grpSpPr>
+        <a:xfrm>
+          <a:off x="0" y="0"/>
+          <a:ext cx="0" cy="0"/>
+          <a:chOff x="0" y="0"/>
+          <a:chExt cx="0" cy="0"/>
+        </a:xfrm>
+      </p:grpSpPr>
+      <p:sp>
+        <p:nvSpPr>
+          <p:cNvPr id="3" name="내용 개체 틀 2"/>
+          <p:cNvSpPr>
+            <a:spLocks noGrp="1"/>
+          </p:cNvSpPr>
+          <p:nvPr>
+            <p:ph idx="1"/>
+          </p:nvPr>
+        </p:nvSpPr>
+        <p:spPr>
+          <a:xfrm>
+            <a:off x="838200" y="1267968"/>
+            <a:ext cx="11172568" cy="4908995"/>
+          </a:xfrm>
+        </p:spPr>
+        <p:txBody>
+          <a:bodyPr>
+            <a:normAutofit fontScale="92500"/>
+          </a:bodyPr>
+          <a:lstStyle/>
+          <a:p>
+            <a:pPr marL="0" indent="0">
+              <a:lnSpc>
+                <a:spcPct val="150000"/>
+              </a:lnSpc>
+              <a:buNone/>
+            </a:pPr>
+            <a:r>
+              <a:rPr lang="en-US" altLang="ko-KR" sz="2400" b="1" dirty="0" smtClean="0">
+                <a:latin typeface="HY수평선M" panose="02030600000101010101" pitchFamily="18" charset="-127"/>
+                <a:ea typeface="HY수평선M" panose="02030600000101010101" pitchFamily="18" charset="-127"/>
+              </a:rPr>
+              <a:t>- </a:t>
+            </a:r>
+            <a:r>
+              <a:rPr lang="ko-KR" altLang="en-US" sz="2400" b="1" dirty="0" smtClean="0">
+                <a:latin typeface="HY수평선M" panose="02030600000101010101" pitchFamily="18" charset="-127"/>
+                <a:ea typeface="HY수평선M" panose="02030600000101010101" pitchFamily="18" charset="-127"/>
+              </a:rPr>
+              <a:t>합병 </a:t>
+            </a:r>
+            <a:r>
+              <a:rPr lang="ko-KR" altLang="en-US" sz="2400" b="1" dirty="0" smtClean="0">
+                <a:latin typeface="HY수평선M" panose="02030600000101010101" pitchFamily="18" charset="-127"/>
+                <a:ea typeface="HY수평선M" panose="02030600000101010101" pitchFamily="18" charset="-127"/>
+              </a:rPr>
+              <a:t>가능</a:t>
+            </a:r>
+            <a:r>
+              <a:rPr lang="ko-KR" altLang="en-US" sz="2400" dirty="0" smtClean="0">
+                <a:latin typeface="HY수평선M" panose="02030600000101010101" pitchFamily="18" charset="-127"/>
+                <a:ea typeface="HY수평선M" panose="02030600000101010101" pitchFamily="18" charset="-127"/>
+              </a:rPr>
+              <a:t> 여부 </a:t>
+            </a:r>
+            <a:r>
+              <a:rPr lang="en-US" altLang="ko-KR" sz="2400" dirty="0" smtClean="0">
+                <a:latin typeface="HY수평선M" panose="02030600000101010101" pitchFamily="18" charset="-127"/>
+                <a:ea typeface="HY수평선M" panose="02030600000101010101" pitchFamily="18" charset="-127"/>
+              </a:rPr>
+              <a:t>(</a:t>
+            </a:r>
+            <a:r>
+              <a:rPr lang="ko-KR" altLang="en-US" sz="2400" dirty="0" smtClean="0">
+                <a:latin typeface="HY수평선M" panose="02030600000101010101" pitchFamily="18" charset="-127"/>
+                <a:ea typeface="HY수평선M" panose="02030600000101010101" pitchFamily="18" charset="-127"/>
+              </a:rPr>
+              <a:t>합집합</a:t>
+            </a:r>
+            <a:r>
+              <a:rPr lang="en-US" altLang="ko-KR" sz="2400" dirty="0" smtClean="0">
+                <a:latin typeface="HY수평선M" panose="02030600000101010101" pitchFamily="18" charset="-127"/>
+                <a:ea typeface="HY수평선M" panose="02030600000101010101" pitchFamily="18" charset="-127"/>
+              </a:rPr>
+              <a:t>, </a:t>
+            </a:r>
+            <a:r>
+              <a:rPr lang="ko-KR" altLang="en-US" sz="2400" dirty="0" smtClean="0">
+                <a:latin typeface="HY수평선M" panose="02030600000101010101" pitchFamily="18" charset="-127"/>
+                <a:ea typeface="HY수평선M" panose="02030600000101010101" pitchFamily="18" charset="-127"/>
+              </a:rPr>
+              <a:t>교집합</a:t>
+            </a:r>
+            <a:r>
+              <a:rPr lang="en-US" altLang="ko-KR" sz="2400" dirty="0" smtClean="0">
+                <a:latin typeface="HY수평선M" panose="02030600000101010101" pitchFamily="18" charset="-127"/>
+                <a:ea typeface="HY수평선M" panose="02030600000101010101" pitchFamily="18" charset="-127"/>
+              </a:rPr>
+              <a:t>, </a:t>
+            </a:r>
+            <a:r>
+              <a:rPr lang="ko-KR" altLang="en-US" sz="2400" dirty="0" err="1" smtClean="0">
+                <a:latin typeface="HY수평선M" panose="02030600000101010101" pitchFamily="18" charset="-127"/>
+                <a:ea typeface="HY수평선M" panose="02030600000101010101" pitchFamily="18" charset="-127"/>
+              </a:rPr>
+              <a:t>차집합</a:t>
+            </a:r>
+            <a:r>
+              <a:rPr lang="ko-KR" altLang="en-US" sz="2400" dirty="0" smtClean="0">
+                <a:latin typeface="HY수평선M" panose="02030600000101010101" pitchFamily="18" charset="-127"/>
+                <a:ea typeface="HY수평선M" panose="02030600000101010101" pitchFamily="18" charset="-127"/>
+              </a:rPr>
+              <a:t> 연산을 </a:t>
+            </a:r>
+            <a:r>
+              <a:rPr lang="ko-KR" altLang="en-US" sz="2400" b="1" dirty="0" smtClean="0">
+                <a:latin typeface="HY수평선M" panose="02030600000101010101" pitchFamily="18" charset="-127"/>
+                <a:ea typeface="HY수평선M" panose="02030600000101010101" pitchFamily="18" charset="-127"/>
+              </a:rPr>
+              <a:t>어떤 조건에서 적용</a:t>
+            </a:r>
+            <a:r>
+              <a:rPr lang="ko-KR" altLang="en-US" sz="2400" dirty="0" smtClean="0">
+                <a:latin typeface="HY수평선M" panose="02030600000101010101" pitchFamily="18" charset="-127"/>
+                <a:ea typeface="HY수평선M" panose="02030600000101010101" pitchFamily="18" charset="-127"/>
+              </a:rPr>
+              <a:t>할 수 있는가</a:t>
+            </a:r>
+            <a:r>
+              <a:rPr lang="en-US" altLang="ko-KR" sz="2400" dirty="0" smtClean="0">
+                <a:latin typeface="HY수평선M" panose="02030600000101010101" pitchFamily="18" charset="-127"/>
+                <a:ea typeface="HY수평선M" panose="02030600000101010101" pitchFamily="18" charset="-127"/>
+              </a:rPr>
+              <a:t>?)</a:t>
+            </a:r>
+          </a:p>
+          <a:p>
+            <a:pPr marL="800100" lvl="1" indent="-342900">
+              <a:lnSpc>
+                <a:spcPct val="150000"/>
+              </a:lnSpc>
+              <a:buFont typeface="+mj-lt"/>
+              <a:buAutoNum type="arabicPeriod"/>
+            </a:pPr>
+            <a:r>
+              <a:rPr lang="ko-KR" altLang="en-US" sz="1800" dirty="0" smtClean="0">
+                <a:latin typeface="HY수평선M" panose="02030600000101010101" pitchFamily="18" charset="-127"/>
+                <a:ea typeface="HY수평선M" panose="02030600000101010101" pitchFamily="18" charset="-127"/>
+              </a:rPr>
+              <a:t>연산에 참여하는 두 </a:t>
+            </a:r>
+            <a:r>
+              <a:rPr lang="ko-KR" altLang="en-US" sz="1800" dirty="0" err="1" smtClean="0">
+                <a:latin typeface="HY수평선M" panose="02030600000101010101" pitchFamily="18" charset="-127"/>
+                <a:ea typeface="HY수평선M" panose="02030600000101010101" pitchFamily="18" charset="-127"/>
+              </a:rPr>
+              <a:t>릴레이션의</a:t>
+            </a:r>
+            <a:r>
+              <a:rPr lang="ko-KR" altLang="en-US" sz="1800" dirty="0" smtClean="0">
+                <a:latin typeface="HY수평선M" panose="02030600000101010101" pitchFamily="18" charset="-127"/>
+                <a:ea typeface="HY수평선M" panose="02030600000101010101" pitchFamily="18" charset="-127"/>
+              </a:rPr>
+              <a:t> </a:t>
+            </a:r>
+            <a:r>
+              <a:rPr lang="ko-KR" altLang="en-US" sz="1800" b="1" dirty="0" smtClean="0">
+                <a:solidFill>
+                  <a:srgbClr val="FF0000"/>
+                </a:solidFill>
+                <a:latin typeface="HY수평선M" panose="02030600000101010101" pitchFamily="18" charset="-127"/>
+                <a:ea typeface="HY수평선M" panose="02030600000101010101" pitchFamily="18" charset="-127"/>
+              </a:rPr>
+              <a:t>차수</a:t>
+            </a:r>
+            <a:r>
+              <a:rPr lang="en-US" altLang="ko-KR" sz="1800" b="1" dirty="0" smtClean="0">
+                <a:solidFill>
+                  <a:srgbClr val="FF0000"/>
+                </a:solidFill>
+                <a:latin typeface="HY수평선M" panose="02030600000101010101" pitchFamily="18" charset="-127"/>
+                <a:ea typeface="HY수평선M" panose="02030600000101010101" pitchFamily="18" charset="-127"/>
+              </a:rPr>
+              <a:t>(degree)</a:t>
+            </a:r>
+            <a:r>
+              <a:rPr lang="ko-KR" altLang="en-US" sz="1800" b="1" dirty="0" smtClean="0">
+                <a:solidFill>
+                  <a:srgbClr val="FF0000"/>
+                </a:solidFill>
+                <a:latin typeface="HY수평선M" panose="02030600000101010101" pitchFamily="18" charset="-127"/>
+                <a:ea typeface="HY수평선M" panose="02030600000101010101" pitchFamily="18" charset="-127"/>
+              </a:rPr>
+              <a:t>가 같아야 함</a:t>
+            </a:r>
+            <a:endParaRPr lang="en-US" altLang="ko-KR" sz="1800" b="1" dirty="0" smtClean="0">
+              <a:solidFill>
+                <a:srgbClr val="FF0000"/>
+              </a:solidFill>
+              <a:latin typeface="HY수평선M" panose="02030600000101010101" pitchFamily="18" charset="-127"/>
+              <a:ea typeface="HY수평선M" panose="02030600000101010101" pitchFamily="18" charset="-127"/>
+            </a:endParaRPr>
+          </a:p>
+          <a:p>
+            <a:pPr marL="800100" lvl="1" indent="-342900">
+              <a:lnSpc>
+                <a:spcPct val="150000"/>
+              </a:lnSpc>
+              <a:buFont typeface="+mj-lt"/>
+              <a:buAutoNum type="arabicPeriod"/>
+            </a:pPr>
+            <a:r>
+              <a:rPr lang="ko-KR" altLang="en-US" sz="1800" dirty="0" smtClean="0">
+                <a:latin typeface="HY수평선M" panose="02030600000101010101" pitchFamily="18" charset="-127"/>
+                <a:ea typeface="HY수평선M" panose="02030600000101010101" pitchFamily="18" charset="-127"/>
+              </a:rPr>
+              <a:t>연산에 참여하는 두 </a:t>
+            </a:r>
+            <a:r>
+              <a:rPr lang="ko-KR" altLang="en-US" sz="1800" dirty="0" err="1" smtClean="0">
+                <a:latin typeface="HY수평선M" panose="02030600000101010101" pitchFamily="18" charset="-127"/>
+                <a:ea typeface="HY수평선M" panose="02030600000101010101" pitchFamily="18" charset="-127"/>
+              </a:rPr>
+              <a:t>릴레이션의</a:t>
+            </a:r>
+            <a:r>
+              <a:rPr lang="ko-KR" altLang="en-US" sz="1800" dirty="0" smtClean="0">
+                <a:latin typeface="HY수평선M" panose="02030600000101010101" pitchFamily="18" charset="-127"/>
+                <a:ea typeface="HY수평선M" panose="02030600000101010101" pitchFamily="18" charset="-127"/>
+              </a:rPr>
+              <a:t> </a:t>
+            </a:r>
+            <a:r>
+              <a:rPr lang="ko-KR" altLang="en-US" sz="1800" b="1" dirty="0" smtClean="0">
+                <a:solidFill>
+                  <a:srgbClr val="FF0000"/>
+                </a:solidFill>
+                <a:latin typeface="HY수평선M" panose="02030600000101010101" pitchFamily="18" charset="-127"/>
+                <a:ea typeface="HY수평선M" panose="02030600000101010101" pitchFamily="18" charset="-127"/>
+              </a:rPr>
+              <a:t>서로 대응하는 속성의 도메인</a:t>
+            </a:r>
+            <a:r>
+              <a:rPr lang="en-US" altLang="ko-KR" sz="1800" b="1" dirty="0" smtClean="0">
+                <a:solidFill>
+                  <a:srgbClr val="FF0000"/>
+                </a:solidFill>
+                <a:latin typeface="HY수평선M" panose="02030600000101010101" pitchFamily="18" charset="-127"/>
+                <a:ea typeface="HY수평선M" panose="02030600000101010101" pitchFamily="18" charset="-127"/>
+              </a:rPr>
+              <a:t>(domain)</a:t>
+            </a:r>
+            <a:r>
+              <a:rPr lang="ko-KR" altLang="en-US" sz="1800" b="1" dirty="0" smtClean="0">
+                <a:solidFill>
+                  <a:srgbClr val="FF0000"/>
+                </a:solidFill>
+                <a:latin typeface="HY수평선M" panose="02030600000101010101" pitchFamily="18" charset="-127"/>
+                <a:ea typeface="HY수평선M" panose="02030600000101010101" pitchFamily="18" charset="-127"/>
+              </a:rPr>
+              <a:t>이 같아야 함</a:t>
+            </a:r>
+            <a:endParaRPr lang="en-US" altLang="ko-KR" sz="1800" b="1" dirty="0" smtClean="0">
+              <a:solidFill>
+                <a:srgbClr val="FF0000"/>
+              </a:solidFill>
+              <a:latin typeface="HY수평선M" panose="02030600000101010101" pitchFamily="18" charset="-127"/>
+              <a:ea typeface="HY수평선M" panose="02030600000101010101" pitchFamily="18" charset="-127"/>
+            </a:endParaRPr>
+          </a:p>
+          <a:p>
+            <a:pPr marL="800100" lvl="1" indent="-342900">
+              <a:lnSpc>
+                <a:spcPct val="150000"/>
+              </a:lnSpc>
+              <a:buFont typeface="+mj-lt"/>
+              <a:buAutoNum type="arabicPeriod"/>
+            </a:pPr>
+            <a:r>
+              <a:rPr lang="ko-KR" altLang="en-US" sz="1800" dirty="0" err="1" smtClean="0">
+                <a:latin typeface="HY수평선M" panose="02030600000101010101" pitchFamily="18" charset="-127"/>
+                <a:ea typeface="HY수평선M" panose="02030600000101010101" pitchFamily="18" charset="-127"/>
+              </a:rPr>
+              <a:t>카티션</a:t>
+            </a:r>
+            <a:r>
+              <a:rPr lang="ko-KR" altLang="en-US" sz="1800" dirty="0" smtClean="0">
+                <a:latin typeface="HY수평선M" panose="02030600000101010101" pitchFamily="18" charset="-127"/>
+                <a:ea typeface="HY수평선M" panose="02030600000101010101" pitchFamily="18" charset="-127"/>
+              </a:rPr>
+              <a:t> </a:t>
+            </a:r>
+            <a:r>
+              <a:rPr lang="ko-KR" altLang="en-US" sz="1800" dirty="0" err="1" smtClean="0">
+                <a:latin typeface="HY수평선M" panose="02030600000101010101" pitchFamily="18" charset="-127"/>
+                <a:ea typeface="HY수평선M" panose="02030600000101010101" pitchFamily="18" charset="-127"/>
+              </a:rPr>
+              <a:t>프로덕트</a:t>
+            </a:r>
+            <a:r>
+              <a:rPr lang="ko-KR" altLang="en-US" sz="1800" dirty="0" smtClean="0">
+                <a:latin typeface="HY수평선M" panose="02030600000101010101" pitchFamily="18" charset="-127"/>
+                <a:ea typeface="HY수평선M" panose="02030600000101010101" pitchFamily="18" charset="-127"/>
+              </a:rPr>
+              <a:t> 연산은 </a:t>
+            </a:r>
+            <a:r>
+              <a:rPr lang="en-US" altLang="ko-KR" sz="1800" b="1" dirty="0" smtClean="0">
+                <a:solidFill>
+                  <a:srgbClr val="FF0000"/>
+                </a:solidFill>
+                <a:latin typeface="HY수평선M" panose="02030600000101010101" pitchFamily="18" charset="-127"/>
+                <a:ea typeface="HY수평선M" panose="02030600000101010101" pitchFamily="18" charset="-127"/>
+              </a:rPr>
+              <a:t>1, 2</a:t>
+            </a:r>
+            <a:r>
+              <a:rPr lang="ko-KR" altLang="en-US" sz="1800" b="1" dirty="0" smtClean="0">
+                <a:solidFill>
+                  <a:srgbClr val="FF0000"/>
+                </a:solidFill>
+                <a:latin typeface="HY수평선M" panose="02030600000101010101" pitchFamily="18" charset="-127"/>
+                <a:ea typeface="HY수평선M" panose="02030600000101010101" pitchFamily="18" charset="-127"/>
+              </a:rPr>
+              <a:t>의 조건에 상관없이 연산이 </a:t>
+            </a:r>
+            <a:r>
+              <a:rPr lang="ko-KR" altLang="en-US" sz="1800" b="1" dirty="0" smtClean="0">
+                <a:solidFill>
+                  <a:srgbClr val="FF0000"/>
+                </a:solidFill>
+                <a:latin typeface="HY수평선M" panose="02030600000101010101" pitchFamily="18" charset="-127"/>
+                <a:ea typeface="HY수평선M" panose="02030600000101010101" pitchFamily="18" charset="-127"/>
+              </a:rPr>
+              <a:t>가능</a:t>
+            </a:r>
+            <a:endParaRPr lang="en-US" altLang="ko-KR" sz="1800" b="1" dirty="0" smtClean="0">
+              <a:solidFill>
+                <a:srgbClr val="FF0000"/>
+              </a:solidFill>
+              <a:latin typeface="HY수평선M" panose="02030600000101010101" pitchFamily="18" charset="-127"/>
+              <a:ea typeface="HY수평선M" panose="02030600000101010101" pitchFamily="18" charset="-127"/>
+            </a:endParaRPr>
+          </a:p>
+          <a:p>
+            <a:pPr marL="285750" indent="-285750">
+              <a:lnSpc>
+                <a:spcPct val="170000"/>
+              </a:lnSpc>
+              <a:buFontTx/>
+              <a:buChar char="-"/>
+            </a:pPr>
+            <a:r>
+              <a:rPr lang="ko-KR" altLang="en-US" sz="2400" dirty="0" smtClean="0">
+                <a:latin typeface="HY수평선M" panose="02030600000101010101" pitchFamily="18" charset="-127"/>
+                <a:ea typeface="HY수평선M" panose="02030600000101010101" pitchFamily="18" charset="-127"/>
+              </a:rPr>
+              <a:t>합집합 </a:t>
+            </a:r>
+            <a:r>
+              <a:rPr lang="ko-KR" altLang="en-US" sz="2400" dirty="0">
+                <a:latin typeface="HY수평선M" panose="02030600000101010101" pitchFamily="18" charset="-127"/>
+                <a:ea typeface="HY수평선M" panose="02030600000101010101" pitchFamily="18" charset="-127"/>
+              </a:rPr>
+              <a:t>연산</a:t>
+            </a:r>
+            <a:r>
+              <a:rPr lang="en-US" altLang="ko-KR" sz="2400" dirty="0">
+                <a:latin typeface="HY수평선M" panose="02030600000101010101" pitchFamily="18" charset="-127"/>
+                <a:ea typeface="HY수평선M" panose="02030600000101010101" pitchFamily="18" charset="-127"/>
+              </a:rPr>
+              <a:t>(</a:t>
+            </a:r>
+            <a:r>
+              <a:rPr lang="ko-KR" altLang="en-US" sz="2400" dirty="0">
+                <a:latin typeface="HY수평선M" panose="02030600000101010101" pitchFamily="18" charset="-127"/>
+                <a:ea typeface="HY수평선M" panose="02030600000101010101" pitchFamily="18" charset="-127"/>
+              </a:rPr>
+              <a:t>∪</a:t>
+            </a:r>
+            <a:r>
+              <a:rPr lang="en-US" altLang="ko-KR" sz="2400" dirty="0">
+                <a:latin typeface="HY수평선M" panose="02030600000101010101" pitchFamily="18" charset="-127"/>
+                <a:ea typeface="HY수평선M" panose="02030600000101010101" pitchFamily="18" charset="-127"/>
+              </a:rPr>
+              <a:t>) </a:t>
+            </a:r>
+          </a:p>
+          <a:p>
+            <a:pPr marL="285750" indent="-285750">
+              <a:lnSpc>
+                <a:spcPct val="170000"/>
+              </a:lnSpc>
+              <a:buFontTx/>
+              <a:buChar char="-"/>
+            </a:pPr>
+            <a:r>
+              <a:rPr lang="ko-KR" altLang="en-US" sz="2400" dirty="0">
+                <a:latin typeface="HY수평선M" panose="02030600000101010101" pitchFamily="18" charset="-127"/>
+                <a:ea typeface="HY수평선M" panose="02030600000101010101" pitchFamily="18" charset="-127"/>
+              </a:rPr>
+              <a:t>교집합 연산</a:t>
+            </a:r>
+            <a:r>
+              <a:rPr lang="en-US" altLang="ko-KR" sz="2400" dirty="0">
+                <a:latin typeface="HY수평선M" panose="02030600000101010101" pitchFamily="18" charset="-127"/>
+                <a:ea typeface="HY수평선M" panose="02030600000101010101" pitchFamily="18" charset="-127"/>
+              </a:rPr>
+              <a:t>(</a:t>
+            </a:r>
+            <a:r>
+              <a:rPr lang="ko-KR" altLang="en-US" sz="2400" dirty="0">
+                <a:latin typeface="HY수평선M" panose="02030600000101010101" pitchFamily="18" charset="-127"/>
+                <a:ea typeface="HY수평선M" panose="02030600000101010101" pitchFamily="18" charset="-127"/>
+              </a:rPr>
+              <a:t>∩</a:t>
+            </a:r>
+            <a:r>
+              <a:rPr lang="en-US" altLang="ko-KR" sz="2400" dirty="0">
+                <a:latin typeface="HY수평선M" panose="02030600000101010101" pitchFamily="18" charset="-127"/>
+                <a:ea typeface="HY수평선M" panose="02030600000101010101" pitchFamily="18" charset="-127"/>
+              </a:rPr>
+              <a:t>)</a:t>
+            </a:r>
+          </a:p>
+          <a:p>
+            <a:pPr marL="285750" indent="-285750">
+              <a:lnSpc>
+                <a:spcPct val="170000"/>
+              </a:lnSpc>
+              <a:buFontTx/>
+              <a:buChar char="-"/>
+            </a:pPr>
+            <a:r>
+              <a:rPr lang="ko-KR" altLang="en-US" sz="2400" dirty="0" err="1">
+                <a:latin typeface="HY수평선M" panose="02030600000101010101" pitchFamily="18" charset="-127"/>
+                <a:ea typeface="HY수평선M" panose="02030600000101010101" pitchFamily="18" charset="-127"/>
+              </a:rPr>
+              <a:t>차집합</a:t>
+            </a:r>
+            <a:r>
+              <a:rPr lang="ko-KR" altLang="en-US" sz="2400" dirty="0">
+                <a:latin typeface="HY수평선M" panose="02030600000101010101" pitchFamily="18" charset="-127"/>
+                <a:ea typeface="HY수평선M" panose="02030600000101010101" pitchFamily="18" charset="-127"/>
+              </a:rPr>
+              <a:t> 연산</a:t>
+            </a:r>
+            <a:r>
+              <a:rPr lang="en-US" altLang="ko-KR" sz="2400" dirty="0">
+                <a:latin typeface="HY수평선M" panose="02030600000101010101" pitchFamily="18" charset="-127"/>
+                <a:ea typeface="HY수평선M" panose="02030600000101010101" pitchFamily="18" charset="-127"/>
+              </a:rPr>
+              <a:t>(-)</a:t>
+            </a:r>
+          </a:p>
+          <a:p>
+            <a:pPr marL="285750" indent="-285750">
+              <a:lnSpc>
+                <a:spcPct val="170000"/>
+              </a:lnSpc>
+              <a:buFontTx/>
+              <a:buChar char="-"/>
+            </a:pPr>
+            <a:r>
+              <a:rPr lang="ko-KR" altLang="en-US" sz="2400" dirty="0" err="1">
+                <a:latin typeface="HY수평선M" panose="02030600000101010101" pitchFamily="18" charset="-127"/>
+                <a:ea typeface="HY수평선M" panose="02030600000101010101" pitchFamily="18" charset="-127"/>
+              </a:rPr>
+              <a:t>카티션</a:t>
+            </a:r>
+            <a:r>
+              <a:rPr lang="ko-KR" altLang="en-US" sz="2400" dirty="0">
+                <a:latin typeface="HY수평선M" panose="02030600000101010101" pitchFamily="18" charset="-127"/>
+                <a:ea typeface="HY수평선M" panose="02030600000101010101" pitchFamily="18" charset="-127"/>
+              </a:rPr>
+              <a:t> 곱</a:t>
+            </a:r>
+            <a:r>
+              <a:rPr lang="en-US" altLang="ko-KR" sz="2400" dirty="0">
+                <a:latin typeface="HY수평선M" panose="02030600000101010101" pitchFamily="18" charset="-127"/>
+                <a:ea typeface="HY수평선M" panose="02030600000101010101" pitchFamily="18" charset="-127"/>
+              </a:rPr>
+              <a:t>(Product)(</a:t>
+            </a:r>
+            <a:r>
+              <a:rPr lang="el-GR" altLang="ko-KR" sz="2400" dirty="0" smtClean="0">
+                <a:latin typeface="HY수평선M" panose="02030600000101010101" pitchFamily="18" charset="-127"/>
+                <a:ea typeface="HY수평선M" panose="02030600000101010101" pitchFamily="18" charset="-127"/>
+              </a:rPr>
+              <a:t>Χ</a:t>
+            </a:r>
+            <a:r>
+              <a:rPr lang="en-US" altLang="ko-KR" sz="2400" dirty="0" smtClean="0">
+                <a:latin typeface="HY수평선M" panose="02030600000101010101" pitchFamily="18" charset="-127"/>
+                <a:ea typeface="HY수평선M" panose="02030600000101010101" pitchFamily="18" charset="-127"/>
+              </a:rPr>
+              <a:t>)</a:t>
+            </a:r>
+            <a:endParaRPr lang="en-US" altLang="ko-KR" sz="2400" b="1" dirty="0" smtClean="0">
+              <a:solidFill>
+                <a:srgbClr val="FF0000"/>
+              </a:solidFill>
+              <a:latin typeface="HY수평선M" panose="02030600000101010101" pitchFamily="18" charset="-127"/>
+              <a:ea typeface="HY수평선M" panose="02030600000101010101" pitchFamily="18" charset="-127"/>
+            </a:endParaRPr>
+          </a:p>
+          <a:p>
+            <a:pPr lvl="1">
+              <a:lnSpc>
+                <a:spcPct val="150000"/>
+              </a:lnSpc>
+            </a:pPr>
+            <a:endParaRPr lang="en-US" altLang="ko-KR" sz="1800" dirty="0" smtClean="0"/>
+          </a:p>
+        </p:txBody>
+      </p:sp>
+      <p:sp>
+        <p:nvSpPr>
+          <p:cNvPr id="5" name="TextBox 4"/>
+          <p:cNvSpPr txBox="1"/>
+          <p:nvPr/>
+        </p:nvSpPr>
+        <p:spPr>
+          <a:xfrm>
+            <a:off x="1509548" y="440228"/>
+            <a:ext cx="9616965" cy="646331"/>
+          </a:xfrm>
+          <a:prstGeom prst="rect">
+            <a:avLst/>
+          </a:prstGeom>
+          <a:noFill/>
+        </p:spPr>
+        <p:txBody>
+          <a:bodyPr wrap="square" rtlCol="0">
+            <a:spAutoFit/>
+          </a:bodyPr>
+          <a:lstStyle/>
+          <a:p>
+            <a:r>
+              <a:rPr lang="en-US" altLang="ko-KR" sz="3600" dirty="0" smtClean="0">
+                <a:latin typeface="HY동녘B" panose="02030600000101010101" pitchFamily="18" charset="-127"/>
+                <a:ea typeface="HY동녘B" panose="02030600000101010101" pitchFamily="18" charset="-127"/>
+              </a:rPr>
+              <a:t>6.4 </a:t>
+            </a:r>
+            <a:r>
+              <a:rPr lang="ko-KR" altLang="en-US" sz="3600" dirty="0" smtClean="0">
+                <a:latin typeface="HY동녘B" panose="02030600000101010101" pitchFamily="18" charset="-127"/>
+                <a:ea typeface="HY동녘B" panose="02030600000101010101" pitchFamily="18" charset="-127"/>
+              </a:rPr>
+              <a:t>기타 연산</a:t>
+            </a:r>
+            <a:endParaRPr lang="ko-KR" altLang="en-US" sz="3600" dirty="0">
+              <a:latin typeface="HY동녘B" panose="02030600000101010101" pitchFamily="18" charset="-127"/>
+              <a:ea typeface="HY동녘B" panose="02030600000101010101" pitchFamily="18" charset="-127"/>
+            </a:endParaRPr>
+          </a:p>
+        </p:txBody>
+      </p:sp>
+    </p:spTree>
+    <p:extLst>
+      <p:ext uri="{BB962C8B-B14F-4D97-AF65-F5344CB8AC3E}">
+        <p14:creationId xmlns:p14="http://schemas.microsoft.com/office/powerpoint/2010/main" val="3250022312"/>
+      </p:ext>
+    </p:extLst>
+  </p:cSld>
+  <p:clrMapOvr>
+    <a:masterClrMapping/>
+  </p:clrMapOvr>
+  <p:timing>
+    <p:tnLst>
+      <p:par>
+        <p:cTn id="1" dur="indefinite" restart="never" nodeType="tmRoot"/>
+      </p:par>
+    </p:tnLst>
+  </p:timing>
+</p:sld>
+</file>
+
+<file path=ppt/slides/slide21.xml><?xml version="1.0" encoding="utf-8"?>
+<p:sld xmlns:a="http://schemas.openxmlformats.org/drawingml/2006/main" xmlns:r="http://schemas.openxmlformats.org/officeDocument/2006/relationships" xmlns:p="http://schemas.openxmlformats.org/presentationml/2006/main">
+  <p:cSld>
+    <p:spTree>
+      <p:nvGrpSpPr>
+        <p:cNvPr id="1" name=""/>
+        <p:cNvGrpSpPr/>
+        <p:nvPr/>
+      </p:nvGrpSpPr>
+      <p:grpSpPr>
+        <a:xfrm>
+          <a:off x="0" y="0"/>
+          <a:ext cx="0" cy="0"/>
+          <a:chOff x="0" y="0"/>
+          <a:chExt cx="0" cy="0"/>
+        </a:xfrm>
+      </p:grpSpPr>
+      <p:sp>
+        <p:nvSpPr>
+          <p:cNvPr id="8" name="TextBox 7"/>
+          <p:cNvSpPr txBox="1"/>
+          <p:nvPr/>
+        </p:nvSpPr>
+        <p:spPr>
+          <a:xfrm>
+            <a:off x="1509548" y="440228"/>
+            <a:ext cx="9616965" cy="646331"/>
+          </a:xfrm>
+          <a:prstGeom prst="rect">
+            <a:avLst/>
+          </a:prstGeom>
+          <a:noFill/>
+        </p:spPr>
+        <p:txBody>
+          <a:bodyPr wrap="square" rtlCol="0">
+            <a:spAutoFit/>
+          </a:bodyPr>
+          <a:lstStyle/>
+          <a:p>
+            <a:r>
+              <a:rPr lang="en-US" altLang="ko-KR" sz="3600" dirty="0" smtClean="0">
+                <a:latin typeface="HY동녘B" panose="02030600000101010101" pitchFamily="18" charset="-127"/>
+                <a:ea typeface="HY동녘B" panose="02030600000101010101" pitchFamily="18" charset="-127"/>
+              </a:rPr>
+              <a:t>6.4 </a:t>
+            </a:r>
+            <a:r>
+              <a:rPr lang="ko-KR" altLang="en-US" sz="3600" dirty="0" smtClean="0">
+                <a:latin typeface="HY동녘B" panose="02030600000101010101" pitchFamily="18" charset="-127"/>
+                <a:ea typeface="HY동녘B" panose="02030600000101010101" pitchFamily="18" charset="-127"/>
+              </a:rPr>
+              <a:t>기타 연산</a:t>
+            </a:r>
+            <a:endParaRPr lang="ko-KR" altLang="en-US" sz="3600" dirty="0">
+              <a:latin typeface="HY동녘B" panose="02030600000101010101" pitchFamily="18" charset="-127"/>
+              <a:ea typeface="HY동녘B" panose="02030600000101010101" pitchFamily="18" charset="-127"/>
+            </a:endParaRPr>
+          </a:p>
+        </p:txBody>
+      </p:sp>
+      <p:pic>
+        <p:nvPicPr>
+          <p:cNvPr id="2" name="그림 1"/>
+          <p:cNvPicPr>
+            <a:picLocks noChangeAspect="1"/>
+          </p:cNvPicPr>
+          <p:nvPr/>
+        </p:nvPicPr>
+        <p:blipFill>
+          <a:blip r:embed="rId2">
+            <a:extLst>
+              <a:ext uri="{28A0092B-C50C-407E-A947-70E740481C1C}">
+                <a14:useLocalDpi xmlns:a14="http://schemas.microsoft.com/office/drawing/2010/main" val="0"/>
+              </a:ext>
+            </a:extLst>
+          </a:blip>
+          <a:stretch>
+            <a:fillRect/>
+          </a:stretch>
+        </p:blipFill>
+        <p:spPr>
+          <a:xfrm>
+            <a:off x="1278888" y="1569262"/>
+            <a:ext cx="9709970" cy="3274586"/>
+          </a:xfrm>
+          <a:prstGeom prst="rect">
+            <a:avLst/>
+          </a:prstGeom>
+        </p:spPr>
+      </p:pic>
+    </p:spTree>
+    <p:extLst>
+      <p:ext uri="{BB962C8B-B14F-4D97-AF65-F5344CB8AC3E}">
+        <p14:creationId xmlns:p14="http://schemas.microsoft.com/office/powerpoint/2010/main" val="1563828047"/>
+      </p:ext>
+    </p:extLst>
+  </p:cSld>
+  <p:clrMapOvr>
+    <a:masterClrMapping/>
+  </p:clrMapOvr>
+  <p:timing>
+    <p:tnLst>
+      <p:par>
+        <p:cTn id="1" dur="indefinite" restart="never" nodeType="tmRoot"/>
+      </p:par>
+    </p:tnLst>
+  </p:timing>
+</p:sld>
+</file>
+
+<file path=ppt/slides/slide22.xml><?xml version="1.0" encoding="utf-8"?>
+<p:sld xmlns:a="http://schemas.openxmlformats.org/drawingml/2006/main" xmlns:r="http://schemas.openxmlformats.org/officeDocument/2006/relationships" xmlns:p="http://schemas.openxmlformats.org/presentationml/2006/main">
+  <p:cSld>
+    <p:spTree>
+      <p:nvGrpSpPr>
+        <p:cNvPr id="1" name=""/>
+        <p:cNvGrpSpPr/>
+        <p:nvPr/>
+      </p:nvGrpSpPr>
+      <p:grpSpPr>
+        <a:xfrm>
+          <a:off x="0" y="0"/>
+          <a:ext cx="0" cy="0"/>
+          <a:chOff x="0" y="0"/>
+          <a:chExt cx="0" cy="0"/>
+        </a:xfrm>
+      </p:grpSpPr>
+      <p:sp>
+        <p:nvSpPr>
+          <p:cNvPr id="3" name="내용 개체 틀 2"/>
+          <p:cNvSpPr>
+            <a:spLocks noGrp="1"/>
+          </p:cNvSpPr>
+          <p:nvPr>
+            <p:ph idx="1"/>
+          </p:nvPr>
+        </p:nvSpPr>
+        <p:spPr>
+          <a:xfrm>
+            <a:off x="838200" y="1267968"/>
+            <a:ext cx="10515600" cy="4908995"/>
+          </a:xfrm>
+        </p:spPr>
+        <p:txBody>
+          <a:bodyPr>
+            <a:normAutofit/>
+          </a:bodyPr>
+          <a:lstStyle/>
+          <a:p>
+            <a:pPr marL="0" indent="0">
+              <a:lnSpc>
+                <a:spcPct val="150000"/>
+              </a:lnSpc>
+              <a:buNone/>
+            </a:pPr>
+            <a:r>
+              <a:rPr lang="en-US" altLang="ko-KR" sz="2400" dirty="0" smtClean="0">
+                <a:latin typeface="HY수평선M" panose="02030600000101010101" pitchFamily="18" charset="-127"/>
+                <a:ea typeface="HY수평선M" panose="02030600000101010101" pitchFamily="18" charset="-127"/>
+              </a:rPr>
+              <a:t>- </a:t>
+            </a:r>
+            <a:r>
+              <a:rPr lang="ko-KR" altLang="en-US" sz="2400" dirty="0" err="1">
+                <a:latin typeface="HY수평선M" panose="02030600000101010101" pitchFamily="18" charset="-127"/>
+                <a:ea typeface="HY수평선M" panose="02030600000101010101" pitchFamily="18" charset="-127"/>
+              </a:rPr>
+              <a:t>카티션</a:t>
+            </a:r>
+            <a:r>
+              <a:rPr lang="ko-KR" altLang="en-US" sz="2400" dirty="0">
+                <a:latin typeface="HY수평선M" panose="02030600000101010101" pitchFamily="18" charset="-127"/>
+                <a:ea typeface="HY수평선M" panose="02030600000101010101" pitchFamily="18" charset="-127"/>
+              </a:rPr>
+              <a:t> </a:t>
+            </a:r>
+            <a:r>
+              <a:rPr lang="ko-KR" altLang="en-US" sz="2400" dirty="0" err="1">
+                <a:latin typeface="HY수평선M" panose="02030600000101010101" pitchFamily="18" charset="-127"/>
+                <a:ea typeface="HY수평선M" panose="02030600000101010101" pitchFamily="18" charset="-127"/>
+              </a:rPr>
+              <a:t>프로덕트</a:t>
+            </a:r>
+            <a:r>
+              <a:rPr lang="ko-KR" altLang="en-US" sz="2400" dirty="0">
+                <a:latin typeface="HY수평선M" panose="02030600000101010101" pitchFamily="18" charset="-127"/>
+                <a:ea typeface="HY수평선M" panose="02030600000101010101" pitchFamily="18" charset="-127"/>
+              </a:rPr>
+              <a:t> </a:t>
+            </a:r>
+            <a:r>
+              <a:rPr lang="en-US" altLang="ko-KR" sz="2400" dirty="0">
+                <a:latin typeface="HY수평선M" panose="02030600000101010101" pitchFamily="18" charset="-127"/>
+                <a:ea typeface="HY수평선M" panose="02030600000101010101" pitchFamily="18" charset="-127"/>
+              </a:rPr>
+              <a:t>(×)</a:t>
+            </a:r>
+          </a:p>
+          <a:p>
+            <a:pPr lvl="1">
+              <a:lnSpc>
+                <a:spcPct val="150000"/>
+              </a:lnSpc>
+            </a:pPr>
+            <a:r>
+              <a:rPr lang="en-US" altLang="ko-KR" sz="2000" dirty="0" smtClean="0"/>
+              <a:t>R ×</a:t>
+            </a:r>
+            <a:r>
+              <a:rPr lang="ko-KR" altLang="en-US" sz="2000" dirty="0" smtClean="0"/>
+              <a:t> </a:t>
+            </a:r>
+            <a:r>
+              <a:rPr lang="en-US" altLang="ko-KR" sz="2000" dirty="0" smtClean="0"/>
+              <a:t>S</a:t>
+            </a:r>
+          </a:p>
+          <a:p>
+            <a:pPr lvl="1">
+              <a:lnSpc>
+                <a:spcPct val="150000"/>
+              </a:lnSpc>
+            </a:pPr>
+            <a:r>
+              <a:rPr lang="ko-KR" altLang="en-US" sz="2000" b="1" dirty="0" err="1" smtClean="0">
+                <a:solidFill>
+                  <a:srgbClr val="FF0000"/>
+                </a:solidFill>
+              </a:rPr>
+              <a:t>릴레이션</a:t>
+            </a:r>
+            <a:r>
+              <a:rPr lang="ko-KR" altLang="en-US" sz="2000" b="1" dirty="0" smtClean="0">
+                <a:solidFill>
+                  <a:srgbClr val="FF0000"/>
+                </a:solidFill>
+              </a:rPr>
+              <a:t> </a:t>
+            </a:r>
+            <a:r>
+              <a:rPr lang="en-US" altLang="ko-KR" sz="2000" b="1" dirty="0" smtClean="0">
+                <a:solidFill>
+                  <a:srgbClr val="FF0000"/>
+                </a:solidFill>
+              </a:rPr>
+              <a:t>R</a:t>
+            </a:r>
+            <a:r>
+              <a:rPr lang="ko-KR" altLang="en-US" sz="2000" b="1" dirty="0" smtClean="0">
+                <a:solidFill>
+                  <a:srgbClr val="FF0000"/>
+                </a:solidFill>
+              </a:rPr>
+              <a:t>과 </a:t>
+            </a:r>
+            <a:r>
+              <a:rPr lang="en-US" altLang="ko-KR" sz="2000" b="1" dirty="0" smtClean="0">
+                <a:solidFill>
+                  <a:srgbClr val="FF0000"/>
+                </a:solidFill>
+              </a:rPr>
+              <a:t>S</a:t>
+            </a:r>
+            <a:r>
+              <a:rPr lang="ko-KR" altLang="en-US" sz="2000" b="1" dirty="0" smtClean="0">
+                <a:solidFill>
+                  <a:srgbClr val="FF0000"/>
+                </a:solidFill>
+              </a:rPr>
+              <a:t>에 속한 각 행</a:t>
+            </a:r>
+            <a:r>
+              <a:rPr lang="en-US" altLang="ko-KR" sz="2000" b="1" dirty="0" smtClean="0">
+                <a:solidFill>
+                  <a:srgbClr val="FF0000"/>
+                </a:solidFill>
+              </a:rPr>
+              <a:t>(</a:t>
+            </a:r>
+            <a:r>
+              <a:rPr lang="ko-KR" altLang="en-US" sz="2000" b="1" dirty="0" err="1" smtClean="0">
+                <a:solidFill>
+                  <a:srgbClr val="FF0000"/>
+                </a:solidFill>
+              </a:rPr>
+              <a:t>투플</a:t>
+            </a:r>
+            <a:r>
+              <a:rPr lang="en-US" altLang="ko-KR" sz="2000" b="1" dirty="0" smtClean="0">
+                <a:solidFill>
+                  <a:srgbClr val="FF0000"/>
+                </a:solidFill>
+              </a:rPr>
+              <a:t>)</a:t>
+            </a:r>
+            <a:r>
+              <a:rPr lang="ko-KR" altLang="en-US" sz="2000" b="1" dirty="0" smtClean="0">
+                <a:solidFill>
+                  <a:srgbClr val="FF0000"/>
+                </a:solidFill>
+              </a:rPr>
+              <a:t>을 모두 연결하여 만들어진 새로운 행을 이용</a:t>
+            </a:r>
+            <a:r>
+              <a:rPr lang="ko-KR" altLang="en-US" sz="2000" dirty="0" smtClean="0"/>
+              <a:t>하여 결과 </a:t>
+            </a:r>
+            <a:r>
+              <a:rPr lang="ko-KR" altLang="en-US" sz="2000" dirty="0" err="1" smtClean="0"/>
+              <a:t>릴레이션을</a:t>
+            </a:r>
+            <a:r>
+              <a:rPr lang="ko-KR" altLang="en-US" sz="2000" dirty="0" smtClean="0"/>
+              <a:t> 구성</a:t>
+            </a:r>
+            <a:endParaRPr lang="en-US" altLang="ko-KR" sz="2000" dirty="0" smtClean="0"/>
+          </a:p>
+          <a:p>
+            <a:pPr lvl="1">
+              <a:lnSpc>
+                <a:spcPct val="150000"/>
+              </a:lnSpc>
+            </a:pPr>
+            <a:r>
+              <a:rPr lang="ko-KR" altLang="en-US" sz="2000" dirty="0" smtClean="0"/>
+              <a:t>차수는 </a:t>
+            </a:r>
+            <a:r>
+              <a:rPr lang="ko-KR" altLang="en-US" sz="2000" b="1" dirty="0" err="1" smtClean="0"/>
+              <a:t>릴레이션</a:t>
+            </a:r>
+            <a:r>
+              <a:rPr lang="ko-KR" altLang="en-US" sz="2000" b="1" dirty="0" smtClean="0"/>
+              <a:t> </a:t>
+            </a:r>
+            <a:r>
+              <a:rPr lang="en-US" altLang="ko-KR" sz="2000" b="1" dirty="0" smtClean="0"/>
+              <a:t>R</a:t>
+            </a:r>
+            <a:r>
+              <a:rPr lang="ko-KR" altLang="en-US" sz="2000" b="1" dirty="0" smtClean="0"/>
+              <a:t>과 </a:t>
+            </a:r>
+            <a:r>
+              <a:rPr lang="ko-KR" altLang="en-US" sz="2000" b="1" dirty="0" err="1" smtClean="0"/>
+              <a:t>릴레이션</a:t>
+            </a:r>
+            <a:r>
+              <a:rPr lang="ko-KR" altLang="en-US" sz="2000" b="1" dirty="0" smtClean="0"/>
+              <a:t> </a:t>
+            </a:r>
+            <a:r>
+              <a:rPr lang="en-US" altLang="ko-KR" sz="2000" b="1" dirty="0" smtClean="0"/>
+              <a:t>S</a:t>
+            </a:r>
+            <a:r>
+              <a:rPr lang="ko-KR" altLang="en-US" sz="2000" b="1" dirty="0" smtClean="0"/>
+              <a:t>의 차수를 더한 것</a:t>
+            </a:r>
+            <a:r>
+              <a:rPr lang="ko-KR" altLang="en-US" sz="2000" dirty="0" smtClean="0"/>
+              <a:t>과 같음</a:t>
+            </a:r>
+            <a:endParaRPr lang="en-US" altLang="ko-KR" sz="2000" dirty="0" smtClean="0"/>
+          </a:p>
+          <a:p>
+            <a:pPr lvl="1">
+              <a:lnSpc>
+                <a:spcPct val="150000"/>
+              </a:lnSpc>
+            </a:pPr>
+            <a:r>
+              <a:rPr lang="ko-KR" altLang="en-US" sz="2000" dirty="0" err="1" smtClean="0"/>
+              <a:t>카디널리티는</a:t>
+            </a:r>
+            <a:r>
+              <a:rPr lang="ko-KR" altLang="en-US" sz="2000" dirty="0" smtClean="0"/>
+              <a:t> </a:t>
+            </a:r>
+            <a:r>
+              <a:rPr lang="ko-KR" altLang="en-US" sz="2000" b="1" dirty="0" err="1" smtClean="0"/>
+              <a:t>릴레이션</a:t>
+            </a:r>
+            <a:r>
+              <a:rPr lang="ko-KR" altLang="en-US" sz="2000" b="1" dirty="0" smtClean="0"/>
+              <a:t> </a:t>
+            </a:r>
+            <a:r>
+              <a:rPr lang="en-US" altLang="ko-KR" sz="2000" b="1" dirty="0" smtClean="0"/>
+              <a:t>R</a:t>
+            </a:r>
+            <a:r>
+              <a:rPr lang="ko-KR" altLang="en-US" sz="2000" b="1" dirty="0" smtClean="0"/>
+              <a:t>과 </a:t>
+            </a:r>
+            <a:r>
+              <a:rPr lang="ko-KR" altLang="en-US" sz="2000" b="1" dirty="0" err="1" smtClean="0"/>
+              <a:t>릴레이션</a:t>
+            </a:r>
+            <a:r>
+              <a:rPr lang="ko-KR" altLang="en-US" sz="2000" b="1" dirty="0" smtClean="0"/>
+              <a:t> </a:t>
+            </a:r>
+            <a:r>
+              <a:rPr lang="en-US" altLang="ko-KR" sz="2000" b="1" dirty="0" smtClean="0"/>
+              <a:t>S</a:t>
+            </a:r>
+            <a:r>
+              <a:rPr lang="ko-KR" altLang="en-US" sz="2000" b="1" dirty="0" smtClean="0"/>
+              <a:t>의 </a:t>
+            </a:r>
+            <a:r>
+              <a:rPr lang="ko-KR" altLang="en-US" sz="2000" b="1" dirty="0" err="1" smtClean="0"/>
+              <a:t>카디널리티를</a:t>
+            </a:r>
+            <a:r>
+              <a:rPr lang="ko-KR" altLang="en-US" sz="2000" b="1" dirty="0" smtClean="0"/>
+              <a:t> 곱한 값</a:t>
+            </a:r>
+            <a:r>
+              <a:rPr lang="ko-KR" altLang="en-US" sz="2000" dirty="0" smtClean="0"/>
+              <a:t>과 같음</a:t>
+            </a:r>
+            <a:endParaRPr lang="en-US" altLang="ko-KR" sz="2000" dirty="0" smtClean="0"/>
+          </a:p>
+          <a:p>
+            <a:pPr lvl="1">
+              <a:lnSpc>
+                <a:spcPct val="150000"/>
+              </a:lnSpc>
+            </a:pPr>
+            <a:r>
+              <a:rPr lang="ko-KR" altLang="en-US" sz="2000" dirty="0" smtClean="0"/>
+              <a:t>합집합</a:t>
+            </a:r>
+            <a:r>
+              <a:rPr lang="en-US" altLang="ko-KR" sz="2000" dirty="0" smtClean="0"/>
+              <a:t>, </a:t>
+            </a:r>
+            <a:r>
+              <a:rPr lang="ko-KR" altLang="en-US" sz="2000" dirty="0" smtClean="0"/>
+              <a:t>교집합</a:t>
+            </a:r>
+            <a:r>
+              <a:rPr lang="en-US" altLang="ko-KR" sz="2000" dirty="0" smtClean="0"/>
+              <a:t>, </a:t>
+            </a:r>
+            <a:r>
+              <a:rPr lang="ko-KR" altLang="en-US" sz="2000" dirty="0" err="1" smtClean="0"/>
+              <a:t>차집합</a:t>
+            </a:r>
+            <a:r>
+              <a:rPr lang="ko-KR" altLang="en-US" sz="2000" dirty="0" smtClean="0"/>
+              <a:t> 연산자들은 </a:t>
+            </a:r>
+            <a:r>
+              <a:rPr lang="ko-KR" altLang="en-US" sz="2000" b="1" dirty="0" smtClean="0"/>
+              <a:t>수직적 연산</a:t>
+            </a:r>
+            <a:r>
+              <a:rPr lang="ko-KR" altLang="en-US" sz="2000" dirty="0" smtClean="0"/>
+              <a:t>이라고 볼 수 있으며 </a:t>
+            </a:r>
+            <a:r>
+              <a:rPr lang="ko-KR" altLang="en-US" sz="2000" dirty="0" err="1" smtClean="0"/>
+              <a:t>카티션</a:t>
+            </a:r>
+            <a:r>
+              <a:rPr lang="ko-KR" altLang="en-US" sz="2000" dirty="0" smtClean="0"/>
+              <a:t> </a:t>
+            </a:r>
+            <a:r>
+              <a:rPr lang="ko-KR" altLang="en-US" sz="2000" dirty="0" err="1" smtClean="0"/>
+              <a:t>프로덕트는</a:t>
+            </a:r>
+            <a:r>
+              <a:rPr lang="ko-KR" altLang="en-US" sz="2000" dirty="0" smtClean="0"/>
+              <a:t> </a:t>
+            </a:r>
+            <a:r>
+              <a:rPr lang="ko-KR" altLang="en-US" sz="2000" b="1" dirty="0" smtClean="0"/>
+              <a:t>수평으로 결합</a:t>
+            </a:r>
+            <a:r>
+              <a:rPr lang="ko-KR" altLang="en-US" sz="2000" dirty="0" smtClean="0"/>
+              <a:t>하므로 </a:t>
+            </a:r>
+            <a:r>
+              <a:rPr lang="ko-KR" altLang="en-US" sz="2000" b="1" dirty="0" smtClean="0"/>
+              <a:t>수평적 연산</a:t>
+            </a:r>
+            <a:r>
+              <a:rPr lang="ko-KR" altLang="en-US" sz="2000" dirty="0" smtClean="0"/>
+              <a:t>이라 볼 수 있음</a:t>
+            </a:r>
+            <a:endParaRPr lang="en-US" altLang="ko-KR" sz="2000" dirty="0" smtClean="0"/>
+          </a:p>
+          <a:p>
+            <a:pPr lvl="1">
+              <a:lnSpc>
+                <a:spcPct val="150000"/>
+              </a:lnSpc>
+            </a:pPr>
+            <a:r>
+              <a:rPr lang="ko-KR" altLang="en-US" sz="2000" dirty="0" smtClean="0"/>
+              <a:t>교환적 특징</a:t>
+            </a:r>
+            <a:r>
+              <a:rPr lang="en-US" altLang="ko-KR" sz="2000" dirty="0" smtClean="0"/>
+              <a:t>, </a:t>
+            </a:r>
+            <a:r>
+              <a:rPr lang="ko-KR" altLang="en-US" sz="2000" dirty="0" smtClean="0"/>
+              <a:t>결합적 특징을 가짐</a:t>
+            </a:r>
+            <a:endParaRPr lang="en-US" altLang="ko-KR" sz="2000" dirty="0" smtClean="0"/>
+          </a:p>
+          <a:p>
+            <a:pPr lvl="1">
+              <a:lnSpc>
+                <a:spcPct val="150000"/>
+              </a:lnSpc>
+            </a:pPr>
+            <a:endParaRPr lang="en-US" altLang="ko-KR" sz="2000" dirty="0" smtClean="0"/>
+          </a:p>
+        </p:txBody>
+      </p:sp>
+      <p:pic>
+        <p:nvPicPr>
+          <p:cNvPr id="4" name="그림 3"/>
+          <p:cNvPicPr>
+            <a:picLocks noChangeAspect="1"/>
+          </p:cNvPicPr>
+          <p:nvPr/>
+        </p:nvPicPr>
+        <p:blipFill>
+          <a:blip r:embed="rId2">
+            <a:extLst>
+              <a:ext uri="{28A0092B-C50C-407E-A947-70E740481C1C}">
+                <a14:useLocalDpi xmlns:a14="http://schemas.microsoft.com/office/drawing/2010/main" val="0"/>
+              </a:ext>
+            </a:extLst>
+          </a:blip>
+          <a:stretch>
+            <a:fillRect/>
+          </a:stretch>
+        </p:blipFill>
+        <p:spPr>
+          <a:xfrm>
+            <a:off x="8041802" y="94691"/>
+            <a:ext cx="2259403" cy="2376659"/>
+          </a:xfrm>
+          <a:prstGeom prst="rect">
+            <a:avLst/>
+          </a:prstGeom>
+        </p:spPr>
+      </p:pic>
+      <p:sp>
+        <p:nvSpPr>
+          <p:cNvPr id="6" name="TextBox 5"/>
+          <p:cNvSpPr txBox="1"/>
+          <p:nvPr/>
+        </p:nvSpPr>
+        <p:spPr>
+          <a:xfrm>
+            <a:off x="1509548" y="440228"/>
+            <a:ext cx="9616965" cy="646331"/>
+          </a:xfrm>
+          <a:prstGeom prst="rect">
+            <a:avLst/>
+          </a:prstGeom>
+          <a:noFill/>
+        </p:spPr>
+        <p:txBody>
+          <a:bodyPr wrap="square" rtlCol="0">
+            <a:spAutoFit/>
+          </a:bodyPr>
+          <a:lstStyle/>
+          <a:p>
+            <a:r>
+              <a:rPr lang="en-US" altLang="ko-KR" sz="3600" dirty="0" smtClean="0">
+                <a:latin typeface="HY동녘B" panose="02030600000101010101" pitchFamily="18" charset="-127"/>
+                <a:ea typeface="HY동녘B" panose="02030600000101010101" pitchFamily="18" charset="-127"/>
+              </a:rPr>
+              <a:t>6.4 </a:t>
+            </a:r>
+            <a:r>
+              <a:rPr lang="ko-KR" altLang="en-US" sz="3600" dirty="0" smtClean="0">
+                <a:latin typeface="HY동녘B" panose="02030600000101010101" pitchFamily="18" charset="-127"/>
+                <a:ea typeface="HY동녘B" panose="02030600000101010101" pitchFamily="18" charset="-127"/>
+              </a:rPr>
+              <a:t>기타 연산</a:t>
+            </a:r>
+            <a:endParaRPr lang="ko-KR" altLang="en-US" sz="3600" dirty="0">
+              <a:latin typeface="HY동녘B" panose="02030600000101010101" pitchFamily="18" charset="-127"/>
+              <a:ea typeface="HY동녘B" panose="02030600000101010101" pitchFamily="18" charset="-127"/>
+            </a:endParaRPr>
+          </a:p>
+        </p:txBody>
+      </p:sp>
+    </p:spTree>
+    <p:extLst>
+      <p:ext uri="{BB962C8B-B14F-4D97-AF65-F5344CB8AC3E}">
+        <p14:creationId xmlns:p14="http://schemas.microsoft.com/office/powerpoint/2010/main" val="1163435315"/>
+      </p:ext>
+    </p:extLst>
+  </p:cSld>
+  <p:clrMapOvr>
+    <a:masterClrMapping/>
+  </p:clrMapOvr>
+  <p:timing>
+    <p:tnLst>
+      <p:par>
+        <p:cTn id="1" dur="indefinite" restart="never" nodeType="tmRoot"/>
+      </p:par>
+    </p:tnLst>
+  </p:timing>
+</p:sld>
+</file>
+
+<file path=ppt/slides/slide23.xml><?xml version="1.0" encoding="utf-8"?>
 <p:sld xmlns:a="http://schemas.openxmlformats.org/drawingml/2006/main" xmlns:r="http://schemas.openxmlformats.org/officeDocument/2006/relationships" xmlns:p="http://schemas.openxmlformats.org/presentationml/2006/main">
   <p:cSld>
     <p:spTree>
@@ -8305,7 +9684,7 @@
 </p:sld>
 </file>
 
-<file path=ppt/slides/slide21.xml><?xml version="1.0" encoding="utf-8"?>
+<file path=ppt/slides/slide24.xml><?xml version="1.0" encoding="utf-8"?>
 <p:sld xmlns:a="http://schemas.openxmlformats.org/drawingml/2006/main" xmlns:r="http://schemas.openxmlformats.org/officeDocument/2006/relationships" xmlns:p="http://schemas.openxmlformats.org/presentationml/2006/main">
   <p:cSld>
     <p:spTree>
@@ -8872,7 +10251,7 @@
 </p:sld>
 </file>
 
-<file path=ppt/slides/slide22.xml><?xml version="1.0" encoding="utf-8"?>
+<file path=ppt/slides/slide25.xml><?xml version="1.0" encoding="utf-8"?>
 <p:sld xmlns:a="http://schemas.openxmlformats.org/drawingml/2006/main" xmlns:r="http://schemas.openxmlformats.org/officeDocument/2006/relationships" xmlns:p="http://schemas.openxmlformats.org/presentationml/2006/main">
   <p:cSld>
     <p:spTree>
@@ -9710,7 +11089,7 @@
 </p:sld>
 </file>
 
-<file path=ppt/slides/slide23.xml><?xml version="1.0" encoding="utf-8"?>
+<file path=ppt/slides/slide26.xml><?xml version="1.0" encoding="utf-8"?>
 <p:sld xmlns:a="http://schemas.openxmlformats.org/drawingml/2006/main" xmlns:r="http://schemas.openxmlformats.org/officeDocument/2006/relationships" xmlns:p="http://schemas.openxmlformats.org/presentationml/2006/main">
   <p:cSld>
     <p:spTree>
